--- a/Slides/Tern_Lambda_Linq/1.1 Codificación_Funcional.pptx
+++ b/Slides/Tern_Lambda_Linq/1.1 Codificación_Funcional.pptx
@@ -6,7 +6,7 @@
     <p:sldMasterId id="2147483684" r:id="rId2"/>
   </p:sldMasterIdLst>
   <p:notesMasterIdLst>
-    <p:notesMasterId r:id="rId21"/>
+    <p:notesMasterId r:id="rId22"/>
   </p:notesMasterIdLst>
   <p:sldIdLst>
     <p:sldId id="257" r:id="rId3"/>
@@ -17,16 +17,17 @@
     <p:sldId id="265" r:id="rId8"/>
     <p:sldId id="268" r:id="rId9"/>
     <p:sldId id="1073" r:id="rId10"/>
-    <p:sldId id="283" r:id="rId11"/>
-    <p:sldId id="278" r:id="rId12"/>
-    <p:sldId id="280" r:id="rId13"/>
-    <p:sldId id="279" r:id="rId14"/>
-    <p:sldId id="1071" r:id="rId15"/>
-    <p:sldId id="1072" r:id="rId16"/>
-    <p:sldId id="1070" r:id="rId17"/>
-    <p:sldId id="273" r:id="rId18"/>
-    <p:sldId id="261" r:id="rId19"/>
-    <p:sldId id="343" r:id="rId20"/>
+    <p:sldId id="1074" r:id="rId11"/>
+    <p:sldId id="283" r:id="rId12"/>
+    <p:sldId id="278" r:id="rId13"/>
+    <p:sldId id="280" r:id="rId14"/>
+    <p:sldId id="279" r:id="rId15"/>
+    <p:sldId id="1071" r:id="rId16"/>
+    <p:sldId id="1072" r:id="rId17"/>
+    <p:sldId id="1070" r:id="rId18"/>
+    <p:sldId id="273" r:id="rId19"/>
+    <p:sldId id="261" r:id="rId20"/>
+    <p:sldId id="343" r:id="rId21"/>
   </p:sldIdLst>
   <p:sldSz cx="13817600" cy="7772400"/>
   <p:notesSz cx="6858000" cy="9144000"/>
@@ -144,16 +145,295 @@
 </p:presentation>
 </file>
 
-<file path=ppt/revisionInfo.xml><?xml version="1.0" encoding="utf-8"?>
-<p1510:revInfo xmlns:a="http://schemas.openxmlformats.org/drawingml/2006/main" xmlns:r="http://schemas.openxmlformats.org/officeDocument/2006/relationships" xmlns:p1510="http://schemas.microsoft.com/office/powerpoint/2015/10/main">
-  <p1510:revLst>
-    <p1510:client id="{7C28ABC0-81A1-25DB-2968-4CD6AEB52C57}" v="27" dt="2025-01-16T10:15:24.411"/>
-  </p1510:revLst>
-</p1510:revInfo>
-</file>
-
 <file path=ppt/changesInfos/changesInfo1.xml><?xml version="1.0" encoding="utf-8"?>
 <pc:chgInfo xmlns:a="http://schemas.openxmlformats.org/drawingml/2006/main" xmlns:r="http://schemas.openxmlformats.org/officeDocument/2006/relationships" xmlns:ac="http://schemas.microsoft.com/office/drawing/2013/main/command" xmlns:pc="http://schemas.microsoft.com/office/powerpoint/2013/main/command">
+  <pc:docChgLst>
+    <pc:chgData name="Cesar Augusto Lopez Gallego" userId="S::cesar.lopezg@upb.edu.co::0dfa9112-9251-4882-b472-cf2dfcee09d1" providerId="AD" clId="Web-{7C28ABC0-81A1-25DB-2968-4CD6AEB52C57}"/>
+    <pc:docChg chg="addSld delSld modSld">
+      <pc:chgData name="Cesar Augusto Lopez Gallego" userId="S::cesar.lopezg@upb.edu.co::0dfa9112-9251-4882-b472-cf2dfcee09d1" providerId="AD" clId="Web-{7C28ABC0-81A1-25DB-2968-4CD6AEB52C57}" dt="2025-01-16T10:15:24.411" v="25"/>
+      <pc:docMkLst>
+        <pc:docMk/>
+      </pc:docMkLst>
+      <pc:sldChg chg="modSp">
+        <pc:chgData name="Cesar Augusto Lopez Gallego" userId="S::cesar.lopezg@upb.edu.co::0dfa9112-9251-4882-b472-cf2dfcee09d1" providerId="AD" clId="Web-{7C28ABC0-81A1-25DB-2968-4CD6AEB52C57}" dt="2025-01-16T10:15:11.098" v="23" actId="1076"/>
+        <pc:sldMkLst>
+          <pc:docMk/>
+          <pc:sldMk cId="2906717378" sldId="1073"/>
+        </pc:sldMkLst>
+        <pc:spChg chg="mod">
+          <ac:chgData name="Cesar Augusto Lopez Gallego" userId="S::cesar.lopezg@upb.edu.co::0dfa9112-9251-4882-b472-cf2dfcee09d1" providerId="AD" clId="Web-{7C28ABC0-81A1-25DB-2968-4CD6AEB52C57}" dt="2025-01-16T10:15:11.098" v="23" actId="1076"/>
+          <ac:spMkLst>
+            <pc:docMk/>
+            <pc:sldMk cId="2906717378" sldId="1073"/>
+            <ac:spMk id="3" creationId="{63A211FA-FBAC-4E2E-87D6-9A196DAF64F6}"/>
+          </ac:spMkLst>
+        </pc:spChg>
+      </pc:sldChg>
+      <pc:sldChg chg="new del">
+        <pc:chgData name="Cesar Augusto Lopez Gallego" userId="S::cesar.lopezg@upb.edu.co::0dfa9112-9251-4882-b472-cf2dfcee09d1" providerId="AD" clId="Web-{7C28ABC0-81A1-25DB-2968-4CD6AEB52C57}" dt="2025-01-16T10:15:24.411" v="25"/>
+        <pc:sldMkLst>
+          <pc:docMk/>
+          <pc:sldMk cId="4292605690" sldId="1074"/>
+        </pc:sldMkLst>
+      </pc:sldChg>
+    </pc:docChg>
+  </pc:docChgLst>
+  <pc:docChgLst>
+    <pc:chgData name="Cesar Augusto Lopez Gallego" userId="0dfa9112-9251-4882-b472-cf2dfcee09d1" providerId="ADAL" clId="{D332CE1B-8691-4F31-BD4B-E2B7D93EBC4C}"/>
+    <pc:docChg chg="undo custSel addSld delSld modSld">
+      <pc:chgData name="Cesar Augusto Lopez Gallego" userId="0dfa9112-9251-4882-b472-cf2dfcee09d1" providerId="ADAL" clId="{D332CE1B-8691-4F31-BD4B-E2B7D93EBC4C}" dt="2025-01-05T21:02:04.460" v="61" actId="1076"/>
+      <pc:docMkLst>
+        <pc:docMk/>
+      </pc:docMkLst>
+      <pc:sldChg chg="del">
+        <pc:chgData name="Cesar Augusto Lopez Gallego" userId="0dfa9112-9251-4882-b472-cf2dfcee09d1" providerId="ADAL" clId="{D332CE1B-8691-4F31-BD4B-E2B7D93EBC4C}" dt="2025-01-05T20:57:17.703" v="23" actId="47"/>
+        <pc:sldMkLst>
+          <pc:docMk/>
+          <pc:sldMk cId="418644272" sldId="264"/>
+        </pc:sldMkLst>
+      </pc:sldChg>
+      <pc:sldChg chg="del">
+        <pc:chgData name="Cesar Augusto Lopez Gallego" userId="0dfa9112-9251-4882-b472-cf2dfcee09d1" providerId="ADAL" clId="{D332CE1B-8691-4F31-BD4B-E2B7D93EBC4C}" dt="2025-01-05T20:57:53.773" v="24" actId="47"/>
+        <pc:sldMkLst>
+          <pc:docMk/>
+          <pc:sldMk cId="501813480" sldId="266"/>
+        </pc:sldMkLst>
+      </pc:sldChg>
+      <pc:sldChg chg="del">
+        <pc:chgData name="Cesar Augusto Lopez Gallego" userId="0dfa9112-9251-4882-b472-cf2dfcee09d1" providerId="ADAL" clId="{D332CE1B-8691-4F31-BD4B-E2B7D93EBC4C}" dt="2025-01-05T20:57:59.963" v="26" actId="47"/>
+        <pc:sldMkLst>
+          <pc:docMk/>
+          <pc:sldMk cId="283053262" sldId="268"/>
+        </pc:sldMkLst>
+      </pc:sldChg>
+      <pc:sldChg chg="add del">
+        <pc:chgData name="Cesar Augusto Lopez Gallego" userId="0dfa9112-9251-4882-b472-cf2dfcee09d1" providerId="ADAL" clId="{D332CE1B-8691-4F31-BD4B-E2B7D93EBC4C}" dt="2025-01-05T20:59:40.586" v="38" actId="47"/>
+        <pc:sldMkLst>
+          <pc:docMk/>
+          <pc:sldMk cId="3372015608" sldId="269"/>
+        </pc:sldMkLst>
+      </pc:sldChg>
+      <pc:sldChg chg="addSp delSp modSp mod">
+        <pc:chgData name="Cesar Augusto Lopez Gallego" userId="0dfa9112-9251-4882-b472-cf2dfcee09d1" providerId="ADAL" clId="{D332CE1B-8691-4F31-BD4B-E2B7D93EBC4C}" dt="2025-01-05T21:01:29.791" v="58" actId="1076"/>
+        <pc:sldMkLst>
+          <pc:docMk/>
+          <pc:sldMk cId="273067880" sldId="274"/>
+        </pc:sldMkLst>
+        <pc:spChg chg="mod">
+          <ac:chgData name="Cesar Augusto Lopez Gallego" userId="0dfa9112-9251-4882-b472-cf2dfcee09d1" providerId="ADAL" clId="{D332CE1B-8691-4F31-BD4B-E2B7D93EBC4C}" dt="2025-01-05T21:01:00.142" v="46" actId="14100"/>
+          <ac:spMkLst>
+            <pc:docMk/>
+            <pc:sldMk cId="273067880" sldId="274"/>
+            <ac:spMk id="3" creationId="{00000000-0000-0000-0000-000000000000}"/>
+          </ac:spMkLst>
+        </pc:spChg>
+        <pc:spChg chg="mod">
+          <ac:chgData name="Cesar Augusto Lopez Gallego" userId="0dfa9112-9251-4882-b472-cf2dfcee09d1" providerId="ADAL" clId="{D332CE1B-8691-4F31-BD4B-E2B7D93EBC4C}" dt="2025-01-05T21:01:17.451" v="53" actId="1076"/>
+          <ac:spMkLst>
+            <pc:docMk/>
+            <pc:sldMk cId="273067880" sldId="274"/>
+            <ac:spMk id="4" creationId="{00000000-0000-0000-0000-000000000000}"/>
+          </ac:spMkLst>
+        </pc:spChg>
+        <pc:spChg chg="add del mod">
+          <ac:chgData name="Cesar Augusto Lopez Gallego" userId="0dfa9112-9251-4882-b472-cf2dfcee09d1" providerId="ADAL" clId="{D332CE1B-8691-4F31-BD4B-E2B7D93EBC4C}" dt="2025-01-05T21:01:21.678" v="54" actId="21"/>
+          <ac:spMkLst>
+            <pc:docMk/>
+            <pc:sldMk cId="273067880" sldId="274"/>
+            <ac:spMk id="5" creationId="{D2046982-CFAC-40D4-96D3-941A26AFC6C5}"/>
+          </ac:spMkLst>
+        </pc:spChg>
+        <pc:spChg chg="add del mod">
+          <ac:chgData name="Cesar Augusto Lopez Gallego" userId="0dfa9112-9251-4882-b472-cf2dfcee09d1" providerId="ADAL" clId="{D332CE1B-8691-4F31-BD4B-E2B7D93EBC4C}" dt="2025-01-05T21:01:21.678" v="54" actId="21"/>
+          <ac:spMkLst>
+            <pc:docMk/>
+            <pc:sldMk cId="273067880" sldId="274"/>
+            <ac:spMk id="6" creationId="{F81955BF-08F2-4336-90B0-AF4EA57E276F}"/>
+          </ac:spMkLst>
+        </pc:spChg>
+        <pc:spChg chg="add del mod">
+          <ac:chgData name="Cesar Augusto Lopez Gallego" userId="0dfa9112-9251-4882-b472-cf2dfcee09d1" providerId="ADAL" clId="{D332CE1B-8691-4F31-BD4B-E2B7D93EBC4C}" dt="2025-01-05T21:01:21.678" v="54" actId="21"/>
+          <ac:spMkLst>
+            <pc:docMk/>
+            <pc:sldMk cId="273067880" sldId="274"/>
+            <ac:spMk id="9" creationId="{9C9F1434-B186-4888-B14C-D30D91EC4B10}"/>
+          </ac:spMkLst>
+        </pc:spChg>
+        <pc:picChg chg="add mod">
+          <ac:chgData name="Cesar Augusto Lopez Gallego" userId="0dfa9112-9251-4882-b472-cf2dfcee09d1" providerId="ADAL" clId="{D332CE1B-8691-4F31-BD4B-E2B7D93EBC4C}" dt="2025-01-05T21:01:29.791" v="58" actId="1076"/>
+          <ac:picMkLst>
+            <pc:docMk/>
+            <pc:sldMk cId="273067880" sldId="274"/>
+            <ac:picMk id="13" creationId="{1B3E8BC3-74E0-49C7-881B-AD165D1581BD}"/>
+          </ac:picMkLst>
+        </pc:picChg>
+        <pc:cxnChg chg="add del mod">
+          <ac:chgData name="Cesar Augusto Lopez Gallego" userId="0dfa9112-9251-4882-b472-cf2dfcee09d1" providerId="ADAL" clId="{D332CE1B-8691-4F31-BD4B-E2B7D93EBC4C}" dt="2025-01-05T21:01:21.678" v="54" actId="21"/>
+          <ac:cxnSpMkLst>
+            <pc:docMk/>
+            <pc:sldMk cId="273067880" sldId="274"/>
+            <ac:cxnSpMk id="7" creationId="{20C91E28-001C-40B5-9342-0B57B5FED9C0}"/>
+          </ac:cxnSpMkLst>
+        </pc:cxnChg>
+        <pc:cxnChg chg="add del mod">
+          <ac:chgData name="Cesar Augusto Lopez Gallego" userId="0dfa9112-9251-4882-b472-cf2dfcee09d1" providerId="ADAL" clId="{D332CE1B-8691-4F31-BD4B-E2B7D93EBC4C}" dt="2025-01-05T21:01:21.678" v="54" actId="21"/>
+          <ac:cxnSpMkLst>
+            <pc:docMk/>
+            <pc:sldMk cId="273067880" sldId="274"/>
+            <ac:cxnSpMk id="8" creationId="{42465EC8-81D7-4651-A072-C8EE5413100F}"/>
+          </ac:cxnSpMkLst>
+        </pc:cxnChg>
+        <pc:cxnChg chg="add del mod">
+          <ac:chgData name="Cesar Augusto Lopez Gallego" userId="0dfa9112-9251-4882-b472-cf2dfcee09d1" providerId="ADAL" clId="{D332CE1B-8691-4F31-BD4B-E2B7D93EBC4C}" dt="2025-01-05T21:01:21.678" v="54" actId="21"/>
+          <ac:cxnSpMkLst>
+            <pc:docMk/>
+            <pc:sldMk cId="273067880" sldId="274"/>
+            <ac:cxnSpMk id="10" creationId="{748CCA52-5031-41FD-B391-6AE685EB5AF0}"/>
+          </ac:cxnSpMkLst>
+        </pc:cxnChg>
+        <pc:cxnChg chg="add del mod">
+          <ac:chgData name="Cesar Augusto Lopez Gallego" userId="0dfa9112-9251-4882-b472-cf2dfcee09d1" providerId="ADAL" clId="{D332CE1B-8691-4F31-BD4B-E2B7D93EBC4C}" dt="2025-01-05T21:01:21.678" v="54" actId="21"/>
+          <ac:cxnSpMkLst>
+            <pc:docMk/>
+            <pc:sldMk cId="273067880" sldId="274"/>
+            <ac:cxnSpMk id="11" creationId="{9BBA44FD-5F2B-48D2-B165-3A55A8D90DA3}"/>
+          </ac:cxnSpMkLst>
+        </pc:cxnChg>
+        <pc:cxnChg chg="add del mod">
+          <ac:chgData name="Cesar Augusto Lopez Gallego" userId="0dfa9112-9251-4882-b472-cf2dfcee09d1" providerId="ADAL" clId="{D332CE1B-8691-4F31-BD4B-E2B7D93EBC4C}" dt="2025-01-05T21:01:21.678" v="54" actId="21"/>
+          <ac:cxnSpMkLst>
+            <pc:docMk/>
+            <pc:sldMk cId="273067880" sldId="274"/>
+            <ac:cxnSpMk id="12" creationId="{29EA8660-C53F-4819-B462-754FBEF1CDF3}"/>
+          </ac:cxnSpMkLst>
+        </pc:cxnChg>
+      </pc:sldChg>
+      <pc:sldChg chg="add del">
+        <pc:chgData name="Cesar Augusto Lopez Gallego" userId="0dfa9112-9251-4882-b472-cf2dfcee09d1" providerId="ADAL" clId="{D332CE1B-8691-4F31-BD4B-E2B7D93EBC4C}" dt="2025-01-05T21:00:45.342" v="43" actId="47"/>
+        <pc:sldMkLst>
+          <pc:docMk/>
+          <pc:sldMk cId="1415353157" sldId="275"/>
+        </pc:sldMkLst>
+      </pc:sldChg>
+      <pc:sldChg chg="add del">
+        <pc:chgData name="Cesar Augusto Lopez Gallego" userId="0dfa9112-9251-4882-b472-cf2dfcee09d1" providerId="ADAL" clId="{D332CE1B-8691-4F31-BD4B-E2B7D93EBC4C}" dt="2025-01-05T20:59:01.044" v="32" actId="47"/>
+        <pc:sldMkLst>
+          <pc:docMk/>
+          <pc:sldMk cId="120304519" sldId="280"/>
+        </pc:sldMkLst>
+      </pc:sldChg>
+      <pc:sldChg chg="del">
+        <pc:chgData name="Cesar Augusto Lopez Gallego" userId="0dfa9112-9251-4882-b472-cf2dfcee09d1" providerId="ADAL" clId="{D332CE1B-8691-4F31-BD4B-E2B7D93EBC4C}" dt="2025-01-05T21:00:10.565" v="40" actId="47"/>
+        <pc:sldMkLst>
+          <pc:docMk/>
+          <pc:sldMk cId="1096558306" sldId="281"/>
+        </pc:sldMkLst>
+      </pc:sldChg>
+      <pc:sldChg chg="del">
+        <pc:chgData name="Cesar Augusto Lopez Gallego" userId="0dfa9112-9251-4882-b472-cf2dfcee09d1" providerId="ADAL" clId="{D332CE1B-8691-4F31-BD4B-E2B7D93EBC4C}" dt="2025-01-05T20:59:52.025" v="39" actId="47"/>
+        <pc:sldMkLst>
+          <pc:docMk/>
+          <pc:sldMk cId="1506343744" sldId="299"/>
+        </pc:sldMkLst>
+      </pc:sldChg>
+      <pc:sldChg chg="del">
+        <pc:chgData name="Cesar Augusto Lopez Gallego" userId="0dfa9112-9251-4882-b472-cf2dfcee09d1" providerId="ADAL" clId="{D332CE1B-8691-4F31-BD4B-E2B7D93EBC4C}" dt="2025-01-05T20:57:55.465" v="25" actId="47"/>
+        <pc:sldMkLst>
+          <pc:docMk/>
+          <pc:sldMk cId="1815613807" sldId="302"/>
+        </pc:sldMkLst>
+      </pc:sldChg>
+      <pc:sldChg chg="del">
+        <pc:chgData name="Cesar Augusto Lopez Gallego" userId="0dfa9112-9251-4882-b472-cf2dfcee09d1" providerId="ADAL" clId="{D332CE1B-8691-4F31-BD4B-E2B7D93EBC4C}" dt="2025-01-05T20:58:00.783" v="27" actId="47"/>
+        <pc:sldMkLst>
+          <pc:docMk/>
+          <pc:sldMk cId="3827250905" sldId="303"/>
+        </pc:sldMkLst>
+      </pc:sldChg>
+      <pc:sldChg chg="addSp modSp mod">
+        <pc:chgData name="Cesar Augusto Lopez Gallego" userId="0dfa9112-9251-4882-b472-cf2dfcee09d1" providerId="ADAL" clId="{D332CE1B-8691-4F31-BD4B-E2B7D93EBC4C}" dt="2025-01-05T20:59:37.175" v="37" actId="1076"/>
+        <pc:sldMkLst>
+          <pc:docMk/>
+          <pc:sldMk cId="1423332342" sldId="304"/>
+        </pc:sldMkLst>
+        <pc:picChg chg="add mod">
+          <ac:chgData name="Cesar Augusto Lopez Gallego" userId="0dfa9112-9251-4882-b472-cf2dfcee09d1" providerId="ADAL" clId="{D332CE1B-8691-4F31-BD4B-E2B7D93EBC4C}" dt="2025-01-05T20:59:37.175" v="37" actId="1076"/>
+          <ac:picMkLst>
+            <pc:docMk/>
+            <pc:sldMk cId="1423332342" sldId="304"/>
+            <ac:picMk id="5" creationId="{F9D1FD58-EF19-415A-8475-10D5D4D9636C}"/>
+          </ac:picMkLst>
+        </pc:picChg>
+      </pc:sldChg>
+      <pc:sldChg chg="del">
+        <pc:chgData name="Cesar Augusto Lopez Gallego" userId="0dfa9112-9251-4882-b472-cf2dfcee09d1" providerId="ADAL" clId="{D332CE1B-8691-4F31-BD4B-E2B7D93EBC4C}" dt="2025-01-05T20:57:07.264" v="22" actId="2696"/>
+        <pc:sldMkLst>
+          <pc:docMk/>
+          <pc:sldMk cId="3882702588" sldId="320"/>
+        </pc:sldMkLst>
+      </pc:sldChg>
+      <pc:sldChg chg="del">
+        <pc:chgData name="Cesar Augusto Lopez Gallego" userId="0dfa9112-9251-4882-b472-cf2dfcee09d1" providerId="ADAL" clId="{D332CE1B-8691-4F31-BD4B-E2B7D93EBC4C}" dt="2025-01-05T20:57:07.264" v="22" actId="2696"/>
+        <pc:sldMkLst>
+          <pc:docMk/>
+          <pc:sldMk cId="1834511215" sldId="321"/>
+        </pc:sldMkLst>
+      </pc:sldChg>
+      <pc:sldChg chg="modSp mod">
+        <pc:chgData name="Cesar Augusto Lopez Gallego" userId="0dfa9112-9251-4882-b472-cf2dfcee09d1" providerId="ADAL" clId="{D332CE1B-8691-4F31-BD4B-E2B7D93EBC4C}" dt="2025-01-05T20:56:55.486" v="21" actId="207"/>
+        <pc:sldMkLst>
+          <pc:docMk/>
+          <pc:sldMk cId="439829236" sldId="322"/>
+        </pc:sldMkLst>
+        <pc:spChg chg="mod">
+          <ac:chgData name="Cesar Augusto Lopez Gallego" userId="0dfa9112-9251-4882-b472-cf2dfcee09d1" providerId="ADAL" clId="{D332CE1B-8691-4F31-BD4B-E2B7D93EBC4C}" dt="2025-01-05T20:56:52.011" v="20" actId="207"/>
+          <ac:spMkLst>
+            <pc:docMk/>
+            <pc:sldMk cId="439829236" sldId="322"/>
+            <ac:spMk id="7" creationId="{17AABC88-0369-4140-8443-56AE27058991}"/>
+          </ac:spMkLst>
+        </pc:spChg>
+        <pc:spChg chg="mod">
+          <ac:chgData name="Cesar Augusto Lopez Gallego" userId="0dfa9112-9251-4882-b472-cf2dfcee09d1" providerId="ADAL" clId="{D332CE1B-8691-4F31-BD4B-E2B7D93EBC4C}" dt="2025-01-05T20:56:55.486" v="21" actId="207"/>
+          <ac:spMkLst>
+            <pc:docMk/>
+            <pc:sldMk cId="439829236" sldId="322"/>
+            <ac:spMk id="8" creationId="{33E0E3CC-D696-4810-927B-41ADA4D310A1}"/>
+          </ac:spMkLst>
+        </pc:spChg>
+      </pc:sldChg>
+      <pc:sldChg chg="modSp mod">
+        <pc:chgData name="Cesar Augusto Lopez Gallego" userId="0dfa9112-9251-4882-b472-cf2dfcee09d1" providerId="ADAL" clId="{D332CE1B-8691-4F31-BD4B-E2B7D93EBC4C}" dt="2025-01-05T21:02:04.460" v="61" actId="1076"/>
+        <pc:sldMkLst>
+          <pc:docMk/>
+          <pc:sldMk cId="3261759864" sldId="364"/>
+        </pc:sldMkLst>
+        <pc:picChg chg="mod">
+          <ac:chgData name="Cesar Augusto Lopez Gallego" userId="0dfa9112-9251-4882-b472-cf2dfcee09d1" providerId="ADAL" clId="{D332CE1B-8691-4F31-BD4B-E2B7D93EBC4C}" dt="2025-01-05T21:02:04.460" v="61" actId="1076"/>
+          <ac:picMkLst>
+            <pc:docMk/>
+            <pc:sldMk cId="3261759864" sldId="364"/>
+            <ac:picMk id="3" creationId="{8E6CE3C7-A8C9-46D4-8911-6E09FF810709}"/>
+          </ac:picMkLst>
+        </pc:picChg>
+      </pc:sldChg>
+      <pc:sldChg chg="modSp mod">
+        <pc:chgData name="Cesar Augusto Lopez Gallego" userId="0dfa9112-9251-4882-b472-cf2dfcee09d1" providerId="ADAL" clId="{D332CE1B-8691-4F31-BD4B-E2B7D93EBC4C}" dt="2025-01-05T20:56:12.757" v="19" actId="1076"/>
+        <pc:sldMkLst>
+          <pc:docMk/>
+          <pc:sldMk cId="4273355344" sldId="1060"/>
+        </pc:sldMkLst>
+        <pc:spChg chg="mod">
+          <ac:chgData name="Cesar Augusto Lopez Gallego" userId="0dfa9112-9251-4882-b472-cf2dfcee09d1" providerId="ADAL" clId="{D332CE1B-8691-4F31-BD4B-E2B7D93EBC4C}" dt="2025-01-05T20:56:12.757" v="19" actId="1076"/>
+          <ac:spMkLst>
+            <pc:docMk/>
+            <pc:sldMk cId="4273355344" sldId="1060"/>
+            <ac:spMk id="3" creationId="{031140E7-010D-47CD-B1A5-55729F49EBB9}"/>
+          </ac:spMkLst>
+        </pc:spChg>
+      </pc:sldChg>
+    </pc:docChg>
+  </pc:docChgLst>
   <pc:docChgLst>
     <pc:chgData name="Cesar Augusto Lopez Gallego" userId="0dfa9112-9251-4882-b472-cf2dfcee09d1" providerId="ADAL" clId="{CE70AC3A-A0B2-4224-8974-20EC31D02411}"/>
     <pc:docChg chg="custSel addSld delSld modSld">
@@ -299,6 +579,172 @@
             <ac:picMk id="12" creationId="{C274CF94-2198-4704-8859-5000A910D9BF}"/>
           </ac:picMkLst>
         </pc:picChg>
+      </pc:sldChg>
+    </pc:docChg>
+  </pc:docChgLst>
+  <pc:docChgLst>
+    <pc:chgData name="Cesar Augusto Lopez Gallego" userId="0dfa9112-9251-4882-b472-cf2dfcee09d1" providerId="ADAL" clId="{AB12C4D5-F8E9-473E-B44F-E606091E5539}"/>
+    <pc:docChg chg="delSld">
+      <pc:chgData name="Cesar Augusto Lopez Gallego" userId="0dfa9112-9251-4882-b472-cf2dfcee09d1" providerId="ADAL" clId="{AB12C4D5-F8E9-473E-B44F-E606091E5539}" dt="2024-07-17T18:27:51.234" v="0" actId="47"/>
+      <pc:docMkLst>
+        <pc:docMk/>
+      </pc:docMkLst>
+      <pc:sldChg chg="del">
+        <pc:chgData name="Cesar Augusto Lopez Gallego" userId="0dfa9112-9251-4882-b472-cf2dfcee09d1" providerId="ADAL" clId="{AB12C4D5-F8E9-473E-B44F-E606091E5539}" dt="2024-07-17T18:27:51.234" v="0" actId="47"/>
+        <pc:sldMkLst>
+          <pc:docMk/>
+          <pc:sldMk cId="3447092870" sldId="1061"/>
+        </pc:sldMkLst>
+      </pc:sldChg>
+    </pc:docChg>
+  </pc:docChgLst>
+  <pc:docChgLst>
+    <pc:chgData name="Cesar Augusto Lopez Gallego" userId="0dfa9112-9251-4882-b472-cf2dfcee09d1" providerId="ADAL" clId="{B6E2DFB7-6D57-42C8-80F8-0FCD067BED23}"/>
+    <pc:docChg chg="delSld modSld">
+      <pc:chgData name="Cesar Augusto Lopez Gallego" userId="0dfa9112-9251-4882-b472-cf2dfcee09d1" providerId="ADAL" clId="{B6E2DFB7-6D57-42C8-80F8-0FCD067BED23}" dt="2023-07-18T21:45:16.866" v="2" actId="2696"/>
+      <pc:docMkLst>
+        <pc:docMk/>
+      </pc:docMkLst>
+      <pc:sldChg chg="modSp del">
+        <pc:chgData name="Cesar Augusto Lopez Gallego" userId="0dfa9112-9251-4882-b472-cf2dfcee09d1" providerId="ADAL" clId="{B6E2DFB7-6D57-42C8-80F8-0FCD067BED23}" dt="2023-07-18T21:45:03.525" v="1" actId="2696"/>
+        <pc:sldMkLst>
+          <pc:docMk/>
+          <pc:sldMk cId="66052470" sldId="287"/>
+        </pc:sldMkLst>
+        <pc:spChg chg="mod">
+          <ac:chgData name="Cesar Augusto Lopez Gallego" userId="0dfa9112-9251-4882-b472-cf2dfcee09d1" providerId="ADAL" clId="{B6E2DFB7-6D57-42C8-80F8-0FCD067BED23}" dt="2023-07-18T21:44:33.206" v="0" actId="6549"/>
+          <ac:spMkLst>
+            <pc:docMk/>
+            <pc:sldMk cId="66052470" sldId="287"/>
+            <ac:spMk id="4" creationId="{00000000-0000-0000-0000-000000000000}"/>
+          </ac:spMkLst>
+        </pc:spChg>
+      </pc:sldChg>
+      <pc:sldChg chg="del">
+        <pc:chgData name="Cesar Augusto Lopez Gallego" userId="0dfa9112-9251-4882-b472-cf2dfcee09d1" providerId="ADAL" clId="{B6E2DFB7-6D57-42C8-80F8-0FCD067BED23}" dt="2023-07-18T21:45:16.866" v="2" actId="2696"/>
+        <pc:sldMkLst>
+          <pc:docMk/>
+          <pc:sldMk cId="2339927360" sldId="345"/>
+        </pc:sldMkLst>
+      </pc:sldChg>
+    </pc:docChg>
+  </pc:docChgLst>
+  <pc:docChgLst>
+    <pc:chgData name="Cesar Augusto Lopez Gallego" userId="0dfa9112-9251-4882-b472-cf2dfcee09d1" providerId="ADAL" clId="{5A938401-57CD-4E92-AEF4-D27297C50DA5}"/>
+    <pc:docChg chg="undo custSel addSld modSld">
+      <pc:chgData name="Cesar Augusto Lopez Gallego" userId="0dfa9112-9251-4882-b472-cf2dfcee09d1" providerId="ADAL" clId="{5A938401-57CD-4E92-AEF4-D27297C50DA5}" dt="2025-07-24T13:34:30.022" v="931" actId="1076"/>
+      <pc:docMkLst>
+        <pc:docMk/>
+      </pc:docMkLst>
+      <pc:sldChg chg="modSp mod">
+        <pc:chgData name="Cesar Augusto Lopez Gallego" userId="0dfa9112-9251-4882-b472-cf2dfcee09d1" providerId="ADAL" clId="{5A938401-57CD-4E92-AEF4-D27297C50DA5}" dt="2025-07-24T13:15:25.137" v="464" actId="20577"/>
+        <pc:sldMkLst>
+          <pc:docMk/>
+          <pc:sldMk cId="2906717378" sldId="1073"/>
+        </pc:sldMkLst>
+        <pc:spChg chg="mod">
+          <ac:chgData name="Cesar Augusto Lopez Gallego" userId="0dfa9112-9251-4882-b472-cf2dfcee09d1" providerId="ADAL" clId="{5A938401-57CD-4E92-AEF4-D27297C50DA5}" dt="2025-07-24T13:15:25.137" v="464" actId="20577"/>
+          <ac:spMkLst>
+            <pc:docMk/>
+            <pc:sldMk cId="2906717378" sldId="1073"/>
+            <ac:spMk id="3" creationId="{63A211FA-FBAC-4E2E-87D6-9A196DAF64F6}"/>
+          </ac:spMkLst>
+        </pc:spChg>
+      </pc:sldChg>
+      <pc:sldChg chg="addSp modSp new mod">
+        <pc:chgData name="Cesar Augusto Lopez Gallego" userId="0dfa9112-9251-4882-b472-cf2dfcee09d1" providerId="ADAL" clId="{5A938401-57CD-4E92-AEF4-D27297C50DA5}" dt="2025-07-24T13:34:30.022" v="931" actId="1076"/>
+        <pc:sldMkLst>
+          <pc:docMk/>
+          <pc:sldMk cId="1026206260" sldId="1074"/>
+        </pc:sldMkLst>
+        <pc:spChg chg="mod">
+          <ac:chgData name="Cesar Augusto Lopez Gallego" userId="0dfa9112-9251-4882-b472-cf2dfcee09d1" providerId="ADAL" clId="{5A938401-57CD-4E92-AEF4-D27297C50DA5}" dt="2025-07-24T13:05:07.352" v="24" actId="20577"/>
+          <ac:spMkLst>
+            <pc:docMk/>
+            <pc:sldMk cId="1026206260" sldId="1074"/>
+            <ac:spMk id="2" creationId="{E3676938-28C2-4EF8-8B84-D2F8058D616C}"/>
+          </ac:spMkLst>
+        </pc:spChg>
+        <pc:spChg chg="mod">
+          <ac:chgData name="Cesar Augusto Lopez Gallego" userId="0dfa9112-9251-4882-b472-cf2dfcee09d1" providerId="ADAL" clId="{5A938401-57CD-4E92-AEF4-D27297C50DA5}" dt="2025-07-24T13:31:35.864" v="899" actId="6549"/>
+          <ac:spMkLst>
+            <pc:docMk/>
+            <pc:sldMk cId="1026206260" sldId="1074"/>
+            <ac:spMk id="3" creationId="{39C98C82-70C5-4E98-A392-32C1754BFA0C}"/>
+          </ac:spMkLst>
+        </pc:spChg>
+        <pc:spChg chg="add mod">
+          <ac:chgData name="Cesar Augusto Lopez Gallego" userId="0dfa9112-9251-4882-b472-cf2dfcee09d1" providerId="ADAL" clId="{5A938401-57CD-4E92-AEF4-D27297C50DA5}" dt="2025-07-24T13:30:46.063" v="887" actId="1076"/>
+          <ac:spMkLst>
+            <pc:docMk/>
+            <pc:sldMk cId="1026206260" sldId="1074"/>
+            <ac:spMk id="4" creationId="{666E5E88-2E50-4816-8312-5ED99BD69821}"/>
+          </ac:spMkLst>
+        </pc:spChg>
+        <pc:spChg chg="add mod">
+          <ac:chgData name="Cesar Augusto Lopez Gallego" userId="0dfa9112-9251-4882-b472-cf2dfcee09d1" providerId="ADAL" clId="{5A938401-57CD-4E92-AEF4-D27297C50DA5}" dt="2025-07-24T13:30:42.743" v="886" actId="1076"/>
+          <ac:spMkLst>
+            <pc:docMk/>
+            <pc:sldMk cId="1026206260" sldId="1074"/>
+            <ac:spMk id="5" creationId="{31E27BB5-CFDC-4E4D-A4A9-EE0F2524073B}"/>
+          </ac:spMkLst>
+        </pc:spChg>
+        <pc:spChg chg="add mod">
+          <ac:chgData name="Cesar Augusto Lopez Gallego" userId="0dfa9112-9251-4882-b472-cf2dfcee09d1" providerId="ADAL" clId="{5A938401-57CD-4E92-AEF4-D27297C50DA5}" dt="2025-07-24T13:30:52.343" v="889" actId="1076"/>
+          <ac:spMkLst>
+            <pc:docMk/>
+            <pc:sldMk cId="1026206260" sldId="1074"/>
+            <ac:spMk id="6" creationId="{3646CF86-25D0-49D7-B437-9FD30102BDB2}"/>
+          </ac:spMkLst>
+        </pc:spChg>
+        <pc:spChg chg="add mod">
+          <ac:chgData name="Cesar Augusto Lopez Gallego" userId="0dfa9112-9251-4882-b472-cf2dfcee09d1" providerId="ADAL" clId="{5A938401-57CD-4E92-AEF4-D27297C50DA5}" dt="2025-07-24T13:30:49.782" v="888" actId="1076"/>
+          <ac:spMkLst>
+            <pc:docMk/>
+            <pc:sldMk cId="1026206260" sldId="1074"/>
+            <ac:spMk id="7" creationId="{14EF2073-5C04-4CE1-A4E1-1D5B7D1BA2BB}"/>
+          </ac:spMkLst>
+        </pc:spChg>
+        <pc:spChg chg="add mod">
+          <ac:chgData name="Cesar Augusto Lopez Gallego" userId="0dfa9112-9251-4882-b472-cf2dfcee09d1" providerId="ADAL" clId="{5A938401-57CD-4E92-AEF4-D27297C50DA5}" dt="2025-07-24T13:34:30.022" v="931" actId="1076"/>
+          <ac:spMkLst>
+            <pc:docMk/>
+            <pc:sldMk cId="1026206260" sldId="1074"/>
+            <ac:spMk id="17" creationId="{CB83479B-0FD2-479D-AFC1-72BD51CD80DA}"/>
+          </ac:spMkLst>
+        </pc:spChg>
+        <pc:cxnChg chg="add">
+          <ac:chgData name="Cesar Augusto Lopez Gallego" userId="0dfa9112-9251-4882-b472-cf2dfcee09d1" providerId="ADAL" clId="{5A938401-57CD-4E92-AEF4-D27297C50DA5}" dt="2025-07-24T13:31:47.470" v="900" actId="11529"/>
+          <ac:cxnSpMkLst>
+            <pc:docMk/>
+            <pc:sldMk cId="1026206260" sldId="1074"/>
+            <ac:cxnSpMk id="9" creationId="{FC626951-5D17-4CBA-874D-1839EE1E0BC3}"/>
+          </ac:cxnSpMkLst>
+        </pc:cxnChg>
+        <pc:cxnChg chg="add">
+          <ac:chgData name="Cesar Augusto Lopez Gallego" userId="0dfa9112-9251-4882-b472-cf2dfcee09d1" providerId="ADAL" clId="{5A938401-57CD-4E92-AEF4-D27297C50DA5}" dt="2025-07-24T13:31:54.025" v="901" actId="11529"/>
+          <ac:cxnSpMkLst>
+            <pc:docMk/>
+            <pc:sldMk cId="1026206260" sldId="1074"/>
+            <ac:cxnSpMk id="11" creationId="{1789CD2D-44C3-4973-A491-B742F0BDA751}"/>
+          </ac:cxnSpMkLst>
+        </pc:cxnChg>
+        <pc:cxnChg chg="add">
+          <ac:chgData name="Cesar Augusto Lopez Gallego" userId="0dfa9112-9251-4882-b472-cf2dfcee09d1" providerId="ADAL" clId="{5A938401-57CD-4E92-AEF4-D27297C50DA5}" dt="2025-07-24T13:32:00.401" v="902" actId="11529"/>
+          <ac:cxnSpMkLst>
+            <pc:docMk/>
+            <pc:sldMk cId="1026206260" sldId="1074"/>
+            <ac:cxnSpMk id="13" creationId="{6005B27F-8695-4C1E-927C-DB4AF2A80BDD}"/>
+          </ac:cxnSpMkLst>
+        </pc:cxnChg>
+        <pc:cxnChg chg="add mod">
+          <ac:chgData name="Cesar Augusto Lopez Gallego" userId="0dfa9112-9251-4882-b472-cf2dfcee09d1" providerId="ADAL" clId="{5A938401-57CD-4E92-AEF4-D27297C50DA5}" dt="2025-07-24T13:32:11.763" v="904" actId="14100"/>
+          <ac:cxnSpMkLst>
+            <pc:docMk/>
+            <pc:sldMk cId="1026206260" sldId="1074"/>
+            <ac:cxnSpMk id="15" creationId="{5A15C8AE-0984-4789-8265-2659EE861F39}"/>
+          </ac:cxnSpMkLst>
+        </pc:cxnChg>
       </pc:sldChg>
     </pc:docChg>
   </pc:docChgLst>
@@ -992,340 +1438,6 @@
       </pc:sldChg>
     </pc:docChg>
   </pc:docChgLst>
-  <pc:docChgLst>
-    <pc:chgData name="Cesar Augusto Lopez Gallego" userId="0dfa9112-9251-4882-b472-cf2dfcee09d1" providerId="ADAL" clId="{B6E2DFB7-6D57-42C8-80F8-0FCD067BED23}"/>
-    <pc:docChg chg="delSld modSld">
-      <pc:chgData name="Cesar Augusto Lopez Gallego" userId="0dfa9112-9251-4882-b472-cf2dfcee09d1" providerId="ADAL" clId="{B6E2DFB7-6D57-42C8-80F8-0FCD067BED23}" dt="2023-07-18T21:45:16.866" v="2" actId="2696"/>
-      <pc:docMkLst>
-        <pc:docMk/>
-      </pc:docMkLst>
-      <pc:sldChg chg="modSp del">
-        <pc:chgData name="Cesar Augusto Lopez Gallego" userId="0dfa9112-9251-4882-b472-cf2dfcee09d1" providerId="ADAL" clId="{B6E2DFB7-6D57-42C8-80F8-0FCD067BED23}" dt="2023-07-18T21:45:03.525" v="1" actId="2696"/>
-        <pc:sldMkLst>
-          <pc:docMk/>
-          <pc:sldMk cId="66052470" sldId="287"/>
-        </pc:sldMkLst>
-        <pc:spChg chg="mod">
-          <ac:chgData name="Cesar Augusto Lopez Gallego" userId="0dfa9112-9251-4882-b472-cf2dfcee09d1" providerId="ADAL" clId="{B6E2DFB7-6D57-42C8-80F8-0FCD067BED23}" dt="2023-07-18T21:44:33.206" v="0" actId="6549"/>
-          <ac:spMkLst>
-            <pc:docMk/>
-            <pc:sldMk cId="66052470" sldId="287"/>
-            <ac:spMk id="4" creationId="{00000000-0000-0000-0000-000000000000}"/>
-          </ac:spMkLst>
-        </pc:spChg>
-      </pc:sldChg>
-      <pc:sldChg chg="del">
-        <pc:chgData name="Cesar Augusto Lopez Gallego" userId="0dfa9112-9251-4882-b472-cf2dfcee09d1" providerId="ADAL" clId="{B6E2DFB7-6D57-42C8-80F8-0FCD067BED23}" dt="2023-07-18T21:45:16.866" v="2" actId="2696"/>
-        <pc:sldMkLst>
-          <pc:docMk/>
-          <pc:sldMk cId="2339927360" sldId="345"/>
-        </pc:sldMkLst>
-      </pc:sldChg>
-    </pc:docChg>
-  </pc:docChgLst>
-  <pc:docChgLst>
-    <pc:chgData name="Cesar Augusto Lopez Gallego" userId="S::cesar.lopezg@upb.edu.co::0dfa9112-9251-4882-b472-cf2dfcee09d1" providerId="AD" clId="Web-{7C28ABC0-81A1-25DB-2968-4CD6AEB52C57}"/>
-    <pc:docChg chg="addSld delSld modSld">
-      <pc:chgData name="Cesar Augusto Lopez Gallego" userId="S::cesar.lopezg@upb.edu.co::0dfa9112-9251-4882-b472-cf2dfcee09d1" providerId="AD" clId="Web-{7C28ABC0-81A1-25DB-2968-4CD6AEB52C57}" dt="2025-01-16T10:15:24.411" v="25"/>
-      <pc:docMkLst>
-        <pc:docMk/>
-      </pc:docMkLst>
-      <pc:sldChg chg="modSp">
-        <pc:chgData name="Cesar Augusto Lopez Gallego" userId="S::cesar.lopezg@upb.edu.co::0dfa9112-9251-4882-b472-cf2dfcee09d1" providerId="AD" clId="Web-{7C28ABC0-81A1-25DB-2968-4CD6AEB52C57}" dt="2025-01-16T10:15:11.098" v="23" actId="1076"/>
-        <pc:sldMkLst>
-          <pc:docMk/>
-          <pc:sldMk cId="2906717378" sldId="1073"/>
-        </pc:sldMkLst>
-        <pc:spChg chg="mod">
-          <ac:chgData name="Cesar Augusto Lopez Gallego" userId="S::cesar.lopezg@upb.edu.co::0dfa9112-9251-4882-b472-cf2dfcee09d1" providerId="AD" clId="Web-{7C28ABC0-81A1-25DB-2968-4CD6AEB52C57}" dt="2025-01-16T10:15:11.098" v="23" actId="1076"/>
-          <ac:spMkLst>
-            <pc:docMk/>
-            <pc:sldMk cId="2906717378" sldId="1073"/>
-            <ac:spMk id="3" creationId="{63A211FA-FBAC-4E2E-87D6-9A196DAF64F6}"/>
-          </ac:spMkLst>
-        </pc:spChg>
-      </pc:sldChg>
-      <pc:sldChg chg="new del">
-        <pc:chgData name="Cesar Augusto Lopez Gallego" userId="S::cesar.lopezg@upb.edu.co::0dfa9112-9251-4882-b472-cf2dfcee09d1" providerId="AD" clId="Web-{7C28ABC0-81A1-25DB-2968-4CD6AEB52C57}" dt="2025-01-16T10:15:24.411" v="25"/>
-        <pc:sldMkLst>
-          <pc:docMk/>
-          <pc:sldMk cId="4292605690" sldId="1074"/>
-        </pc:sldMkLst>
-      </pc:sldChg>
-    </pc:docChg>
-  </pc:docChgLst>
-  <pc:docChgLst>
-    <pc:chgData name="Cesar Augusto Lopez Gallego" userId="0dfa9112-9251-4882-b472-cf2dfcee09d1" providerId="ADAL" clId="{D332CE1B-8691-4F31-BD4B-E2B7D93EBC4C}"/>
-    <pc:docChg chg="undo custSel addSld delSld modSld">
-      <pc:chgData name="Cesar Augusto Lopez Gallego" userId="0dfa9112-9251-4882-b472-cf2dfcee09d1" providerId="ADAL" clId="{D332CE1B-8691-4F31-BD4B-E2B7D93EBC4C}" dt="2025-01-05T21:02:04.460" v="61" actId="1076"/>
-      <pc:docMkLst>
-        <pc:docMk/>
-      </pc:docMkLst>
-      <pc:sldChg chg="del">
-        <pc:chgData name="Cesar Augusto Lopez Gallego" userId="0dfa9112-9251-4882-b472-cf2dfcee09d1" providerId="ADAL" clId="{D332CE1B-8691-4F31-BD4B-E2B7D93EBC4C}" dt="2025-01-05T20:57:17.703" v="23" actId="47"/>
-        <pc:sldMkLst>
-          <pc:docMk/>
-          <pc:sldMk cId="418644272" sldId="264"/>
-        </pc:sldMkLst>
-      </pc:sldChg>
-      <pc:sldChg chg="del">
-        <pc:chgData name="Cesar Augusto Lopez Gallego" userId="0dfa9112-9251-4882-b472-cf2dfcee09d1" providerId="ADAL" clId="{D332CE1B-8691-4F31-BD4B-E2B7D93EBC4C}" dt="2025-01-05T20:57:53.773" v="24" actId="47"/>
-        <pc:sldMkLst>
-          <pc:docMk/>
-          <pc:sldMk cId="501813480" sldId="266"/>
-        </pc:sldMkLst>
-      </pc:sldChg>
-      <pc:sldChg chg="del">
-        <pc:chgData name="Cesar Augusto Lopez Gallego" userId="0dfa9112-9251-4882-b472-cf2dfcee09d1" providerId="ADAL" clId="{D332CE1B-8691-4F31-BD4B-E2B7D93EBC4C}" dt="2025-01-05T20:57:59.963" v="26" actId="47"/>
-        <pc:sldMkLst>
-          <pc:docMk/>
-          <pc:sldMk cId="283053262" sldId="268"/>
-        </pc:sldMkLst>
-      </pc:sldChg>
-      <pc:sldChg chg="add del">
-        <pc:chgData name="Cesar Augusto Lopez Gallego" userId="0dfa9112-9251-4882-b472-cf2dfcee09d1" providerId="ADAL" clId="{D332CE1B-8691-4F31-BD4B-E2B7D93EBC4C}" dt="2025-01-05T20:59:40.586" v="38" actId="47"/>
-        <pc:sldMkLst>
-          <pc:docMk/>
-          <pc:sldMk cId="3372015608" sldId="269"/>
-        </pc:sldMkLst>
-      </pc:sldChg>
-      <pc:sldChg chg="addSp delSp modSp mod">
-        <pc:chgData name="Cesar Augusto Lopez Gallego" userId="0dfa9112-9251-4882-b472-cf2dfcee09d1" providerId="ADAL" clId="{D332CE1B-8691-4F31-BD4B-E2B7D93EBC4C}" dt="2025-01-05T21:01:29.791" v="58" actId="1076"/>
-        <pc:sldMkLst>
-          <pc:docMk/>
-          <pc:sldMk cId="273067880" sldId="274"/>
-        </pc:sldMkLst>
-        <pc:spChg chg="mod">
-          <ac:chgData name="Cesar Augusto Lopez Gallego" userId="0dfa9112-9251-4882-b472-cf2dfcee09d1" providerId="ADAL" clId="{D332CE1B-8691-4F31-BD4B-E2B7D93EBC4C}" dt="2025-01-05T21:01:00.142" v="46" actId="14100"/>
-          <ac:spMkLst>
-            <pc:docMk/>
-            <pc:sldMk cId="273067880" sldId="274"/>
-            <ac:spMk id="3" creationId="{00000000-0000-0000-0000-000000000000}"/>
-          </ac:spMkLst>
-        </pc:spChg>
-        <pc:spChg chg="mod">
-          <ac:chgData name="Cesar Augusto Lopez Gallego" userId="0dfa9112-9251-4882-b472-cf2dfcee09d1" providerId="ADAL" clId="{D332CE1B-8691-4F31-BD4B-E2B7D93EBC4C}" dt="2025-01-05T21:01:17.451" v="53" actId="1076"/>
-          <ac:spMkLst>
-            <pc:docMk/>
-            <pc:sldMk cId="273067880" sldId="274"/>
-            <ac:spMk id="4" creationId="{00000000-0000-0000-0000-000000000000}"/>
-          </ac:spMkLst>
-        </pc:spChg>
-        <pc:spChg chg="add del mod">
-          <ac:chgData name="Cesar Augusto Lopez Gallego" userId="0dfa9112-9251-4882-b472-cf2dfcee09d1" providerId="ADAL" clId="{D332CE1B-8691-4F31-BD4B-E2B7D93EBC4C}" dt="2025-01-05T21:01:21.678" v="54" actId="21"/>
-          <ac:spMkLst>
-            <pc:docMk/>
-            <pc:sldMk cId="273067880" sldId="274"/>
-            <ac:spMk id="5" creationId="{D2046982-CFAC-40D4-96D3-941A26AFC6C5}"/>
-          </ac:spMkLst>
-        </pc:spChg>
-        <pc:spChg chg="add del mod">
-          <ac:chgData name="Cesar Augusto Lopez Gallego" userId="0dfa9112-9251-4882-b472-cf2dfcee09d1" providerId="ADAL" clId="{D332CE1B-8691-4F31-BD4B-E2B7D93EBC4C}" dt="2025-01-05T21:01:21.678" v="54" actId="21"/>
-          <ac:spMkLst>
-            <pc:docMk/>
-            <pc:sldMk cId="273067880" sldId="274"/>
-            <ac:spMk id="6" creationId="{F81955BF-08F2-4336-90B0-AF4EA57E276F}"/>
-          </ac:spMkLst>
-        </pc:spChg>
-        <pc:spChg chg="add del mod">
-          <ac:chgData name="Cesar Augusto Lopez Gallego" userId="0dfa9112-9251-4882-b472-cf2dfcee09d1" providerId="ADAL" clId="{D332CE1B-8691-4F31-BD4B-E2B7D93EBC4C}" dt="2025-01-05T21:01:21.678" v="54" actId="21"/>
-          <ac:spMkLst>
-            <pc:docMk/>
-            <pc:sldMk cId="273067880" sldId="274"/>
-            <ac:spMk id="9" creationId="{9C9F1434-B186-4888-B14C-D30D91EC4B10}"/>
-          </ac:spMkLst>
-        </pc:spChg>
-        <pc:picChg chg="add mod">
-          <ac:chgData name="Cesar Augusto Lopez Gallego" userId="0dfa9112-9251-4882-b472-cf2dfcee09d1" providerId="ADAL" clId="{D332CE1B-8691-4F31-BD4B-E2B7D93EBC4C}" dt="2025-01-05T21:01:29.791" v="58" actId="1076"/>
-          <ac:picMkLst>
-            <pc:docMk/>
-            <pc:sldMk cId="273067880" sldId="274"/>
-            <ac:picMk id="13" creationId="{1B3E8BC3-74E0-49C7-881B-AD165D1581BD}"/>
-          </ac:picMkLst>
-        </pc:picChg>
-        <pc:cxnChg chg="add del mod">
-          <ac:chgData name="Cesar Augusto Lopez Gallego" userId="0dfa9112-9251-4882-b472-cf2dfcee09d1" providerId="ADAL" clId="{D332CE1B-8691-4F31-BD4B-E2B7D93EBC4C}" dt="2025-01-05T21:01:21.678" v="54" actId="21"/>
-          <ac:cxnSpMkLst>
-            <pc:docMk/>
-            <pc:sldMk cId="273067880" sldId="274"/>
-            <ac:cxnSpMk id="7" creationId="{20C91E28-001C-40B5-9342-0B57B5FED9C0}"/>
-          </ac:cxnSpMkLst>
-        </pc:cxnChg>
-        <pc:cxnChg chg="add del mod">
-          <ac:chgData name="Cesar Augusto Lopez Gallego" userId="0dfa9112-9251-4882-b472-cf2dfcee09d1" providerId="ADAL" clId="{D332CE1B-8691-4F31-BD4B-E2B7D93EBC4C}" dt="2025-01-05T21:01:21.678" v="54" actId="21"/>
-          <ac:cxnSpMkLst>
-            <pc:docMk/>
-            <pc:sldMk cId="273067880" sldId="274"/>
-            <ac:cxnSpMk id="8" creationId="{42465EC8-81D7-4651-A072-C8EE5413100F}"/>
-          </ac:cxnSpMkLst>
-        </pc:cxnChg>
-        <pc:cxnChg chg="add del mod">
-          <ac:chgData name="Cesar Augusto Lopez Gallego" userId="0dfa9112-9251-4882-b472-cf2dfcee09d1" providerId="ADAL" clId="{D332CE1B-8691-4F31-BD4B-E2B7D93EBC4C}" dt="2025-01-05T21:01:21.678" v="54" actId="21"/>
-          <ac:cxnSpMkLst>
-            <pc:docMk/>
-            <pc:sldMk cId="273067880" sldId="274"/>
-            <ac:cxnSpMk id="10" creationId="{748CCA52-5031-41FD-B391-6AE685EB5AF0}"/>
-          </ac:cxnSpMkLst>
-        </pc:cxnChg>
-        <pc:cxnChg chg="add del mod">
-          <ac:chgData name="Cesar Augusto Lopez Gallego" userId="0dfa9112-9251-4882-b472-cf2dfcee09d1" providerId="ADAL" clId="{D332CE1B-8691-4F31-BD4B-E2B7D93EBC4C}" dt="2025-01-05T21:01:21.678" v="54" actId="21"/>
-          <ac:cxnSpMkLst>
-            <pc:docMk/>
-            <pc:sldMk cId="273067880" sldId="274"/>
-            <ac:cxnSpMk id="11" creationId="{9BBA44FD-5F2B-48D2-B165-3A55A8D90DA3}"/>
-          </ac:cxnSpMkLst>
-        </pc:cxnChg>
-        <pc:cxnChg chg="add del mod">
-          <ac:chgData name="Cesar Augusto Lopez Gallego" userId="0dfa9112-9251-4882-b472-cf2dfcee09d1" providerId="ADAL" clId="{D332CE1B-8691-4F31-BD4B-E2B7D93EBC4C}" dt="2025-01-05T21:01:21.678" v="54" actId="21"/>
-          <ac:cxnSpMkLst>
-            <pc:docMk/>
-            <pc:sldMk cId="273067880" sldId="274"/>
-            <ac:cxnSpMk id="12" creationId="{29EA8660-C53F-4819-B462-754FBEF1CDF3}"/>
-          </ac:cxnSpMkLst>
-        </pc:cxnChg>
-      </pc:sldChg>
-      <pc:sldChg chg="add del">
-        <pc:chgData name="Cesar Augusto Lopez Gallego" userId="0dfa9112-9251-4882-b472-cf2dfcee09d1" providerId="ADAL" clId="{D332CE1B-8691-4F31-BD4B-E2B7D93EBC4C}" dt="2025-01-05T21:00:45.342" v="43" actId="47"/>
-        <pc:sldMkLst>
-          <pc:docMk/>
-          <pc:sldMk cId="1415353157" sldId="275"/>
-        </pc:sldMkLst>
-      </pc:sldChg>
-      <pc:sldChg chg="add del">
-        <pc:chgData name="Cesar Augusto Lopez Gallego" userId="0dfa9112-9251-4882-b472-cf2dfcee09d1" providerId="ADAL" clId="{D332CE1B-8691-4F31-BD4B-E2B7D93EBC4C}" dt="2025-01-05T20:59:01.044" v="32" actId="47"/>
-        <pc:sldMkLst>
-          <pc:docMk/>
-          <pc:sldMk cId="120304519" sldId="280"/>
-        </pc:sldMkLst>
-      </pc:sldChg>
-      <pc:sldChg chg="del">
-        <pc:chgData name="Cesar Augusto Lopez Gallego" userId="0dfa9112-9251-4882-b472-cf2dfcee09d1" providerId="ADAL" clId="{D332CE1B-8691-4F31-BD4B-E2B7D93EBC4C}" dt="2025-01-05T21:00:10.565" v="40" actId="47"/>
-        <pc:sldMkLst>
-          <pc:docMk/>
-          <pc:sldMk cId="1096558306" sldId="281"/>
-        </pc:sldMkLst>
-      </pc:sldChg>
-      <pc:sldChg chg="del">
-        <pc:chgData name="Cesar Augusto Lopez Gallego" userId="0dfa9112-9251-4882-b472-cf2dfcee09d1" providerId="ADAL" clId="{D332CE1B-8691-4F31-BD4B-E2B7D93EBC4C}" dt="2025-01-05T20:59:52.025" v="39" actId="47"/>
-        <pc:sldMkLst>
-          <pc:docMk/>
-          <pc:sldMk cId="1506343744" sldId="299"/>
-        </pc:sldMkLst>
-      </pc:sldChg>
-      <pc:sldChg chg="del">
-        <pc:chgData name="Cesar Augusto Lopez Gallego" userId="0dfa9112-9251-4882-b472-cf2dfcee09d1" providerId="ADAL" clId="{D332CE1B-8691-4F31-BD4B-E2B7D93EBC4C}" dt="2025-01-05T20:57:55.465" v="25" actId="47"/>
-        <pc:sldMkLst>
-          <pc:docMk/>
-          <pc:sldMk cId="1815613807" sldId="302"/>
-        </pc:sldMkLst>
-      </pc:sldChg>
-      <pc:sldChg chg="del">
-        <pc:chgData name="Cesar Augusto Lopez Gallego" userId="0dfa9112-9251-4882-b472-cf2dfcee09d1" providerId="ADAL" clId="{D332CE1B-8691-4F31-BD4B-E2B7D93EBC4C}" dt="2025-01-05T20:58:00.783" v="27" actId="47"/>
-        <pc:sldMkLst>
-          <pc:docMk/>
-          <pc:sldMk cId="3827250905" sldId="303"/>
-        </pc:sldMkLst>
-      </pc:sldChg>
-      <pc:sldChg chg="addSp modSp mod">
-        <pc:chgData name="Cesar Augusto Lopez Gallego" userId="0dfa9112-9251-4882-b472-cf2dfcee09d1" providerId="ADAL" clId="{D332CE1B-8691-4F31-BD4B-E2B7D93EBC4C}" dt="2025-01-05T20:59:37.175" v="37" actId="1076"/>
-        <pc:sldMkLst>
-          <pc:docMk/>
-          <pc:sldMk cId="1423332342" sldId="304"/>
-        </pc:sldMkLst>
-        <pc:picChg chg="add mod">
-          <ac:chgData name="Cesar Augusto Lopez Gallego" userId="0dfa9112-9251-4882-b472-cf2dfcee09d1" providerId="ADAL" clId="{D332CE1B-8691-4F31-BD4B-E2B7D93EBC4C}" dt="2025-01-05T20:59:37.175" v="37" actId="1076"/>
-          <ac:picMkLst>
-            <pc:docMk/>
-            <pc:sldMk cId="1423332342" sldId="304"/>
-            <ac:picMk id="5" creationId="{F9D1FD58-EF19-415A-8475-10D5D4D9636C}"/>
-          </ac:picMkLst>
-        </pc:picChg>
-      </pc:sldChg>
-      <pc:sldChg chg="del">
-        <pc:chgData name="Cesar Augusto Lopez Gallego" userId="0dfa9112-9251-4882-b472-cf2dfcee09d1" providerId="ADAL" clId="{D332CE1B-8691-4F31-BD4B-E2B7D93EBC4C}" dt="2025-01-05T20:57:07.264" v="22" actId="2696"/>
-        <pc:sldMkLst>
-          <pc:docMk/>
-          <pc:sldMk cId="3882702588" sldId="320"/>
-        </pc:sldMkLst>
-      </pc:sldChg>
-      <pc:sldChg chg="del">
-        <pc:chgData name="Cesar Augusto Lopez Gallego" userId="0dfa9112-9251-4882-b472-cf2dfcee09d1" providerId="ADAL" clId="{D332CE1B-8691-4F31-BD4B-E2B7D93EBC4C}" dt="2025-01-05T20:57:07.264" v="22" actId="2696"/>
-        <pc:sldMkLst>
-          <pc:docMk/>
-          <pc:sldMk cId="1834511215" sldId="321"/>
-        </pc:sldMkLst>
-      </pc:sldChg>
-      <pc:sldChg chg="modSp mod">
-        <pc:chgData name="Cesar Augusto Lopez Gallego" userId="0dfa9112-9251-4882-b472-cf2dfcee09d1" providerId="ADAL" clId="{D332CE1B-8691-4F31-BD4B-E2B7D93EBC4C}" dt="2025-01-05T20:56:55.486" v="21" actId="207"/>
-        <pc:sldMkLst>
-          <pc:docMk/>
-          <pc:sldMk cId="439829236" sldId="322"/>
-        </pc:sldMkLst>
-        <pc:spChg chg="mod">
-          <ac:chgData name="Cesar Augusto Lopez Gallego" userId="0dfa9112-9251-4882-b472-cf2dfcee09d1" providerId="ADAL" clId="{D332CE1B-8691-4F31-BD4B-E2B7D93EBC4C}" dt="2025-01-05T20:56:52.011" v="20" actId="207"/>
-          <ac:spMkLst>
-            <pc:docMk/>
-            <pc:sldMk cId="439829236" sldId="322"/>
-            <ac:spMk id="7" creationId="{17AABC88-0369-4140-8443-56AE27058991}"/>
-          </ac:spMkLst>
-        </pc:spChg>
-        <pc:spChg chg="mod">
-          <ac:chgData name="Cesar Augusto Lopez Gallego" userId="0dfa9112-9251-4882-b472-cf2dfcee09d1" providerId="ADAL" clId="{D332CE1B-8691-4F31-BD4B-E2B7D93EBC4C}" dt="2025-01-05T20:56:55.486" v="21" actId="207"/>
-          <ac:spMkLst>
-            <pc:docMk/>
-            <pc:sldMk cId="439829236" sldId="322"/>
-            <ac:spMk id="8" creationId="{33E0E3CC-D696-4810-927B-41ADA4D310A1}"/>
-          </ac:spMkLst>
-        </pc:spChg>
-      </pc:sldChg>
-      <pc:sldChg chg="modSp mod">
-        <pc:chgData name="Cesar Augusto Lopez Gallego" userId="0dfa9112-9251-4882-b472-cf2dfcee09d1" providerId="ADAL" clId="{D332CE1B-8691-4F31-BD4B-E2B7D93EBC4C}" dt="2025-01-05T21:02:04.460" v="61" actId="1076"/>
-        <pc:sldMkLst>
-          <pc:docMk/>
-          <pc:sldMk cId="3261759864" sldId="364"/>
-        </pc:sldMkLst>
-        <pc:picChg chg="mod">
-          <ac:chgData name="Cesar Augusto Lopez Gallego" userId="0dfa9112-9251-4882-b472-cf2dfcee09d1" providerId="ADAL" clId="{D332CE1B-8691-4F31-BD4B-E2B7D93EBC4C}" dt="2025-01-05T21:02:04.460" v="61" actId="1076"/>
-          <ac:picMkLst>
-            <pc:docMk/>
-            <pc:sldMk cId="3261759864" sldId="364"/>
-            <ac:picMk id="3" creationId="{8E6CE3C7-A8C9-46D4-8911-6E09FF810709}"/>
-          </ac:picMkLst>
-        </pc:picChg>
-      </pc:sldChg>
-      <pc:sldChg chg="modSp mod">
-        <pc:chgData name="Cesar Augusto Lopez Gallego" userId="0dfa9112-9251-4882-b472-cf2dfcee09d1" providerId="ADAL" clId="{D332CE1B-8691-4F31-BD4B-E2B7D93EBC4C}" dt="2025-01-05T20:56:12.757" v="19" actId="1076"/>
-        <pc:sldMkLst>
-          <pc:docMk/>
-          <pc:sldMk cId="4273355344" sldId="1060"/>
-        </pc:sldMkLst>
-        <pc:spChg chg="mod">
-          <ac:chgData name="Cesar Augusto Lopez Gallego" userId="0dfa9112-9251-4882-b472-cf2dfcee09d1" providerId="ADAL" clId="{D332CE1B-8691-4F31-BD4B-E2B7D93EBC4C}" dt="2025-01-05T20:56:12.757" v="19" actId="1076"/>
-          <ac:spMkLst>
-            <pc:docMk/>
-            <pc:sldMk cId="4273355344" sldId="1060"/>
-            <ac:spMk id="3" creationId="{031140E7-010D-47CD-B1A5-55729F49EBB9}"/>
-          </ac:spMkLst>
-        </pc:spChg>
-      </pc:sldChg>
-    </pc:docChg>
-  </pc:docChgLst>
-  <pc:docChgLst>
-    <pc:chgData name="Cesar Augusto Lopez Gallego" userId="0dfa9112-9251-4882-b472-cf2dfcee09d1" providerId="ADAL" clId="{AB12C4D5-F8E9-473E-B44F-E606091E5539}"/>
-    <pc:docChg chg="delSld">
-      <pc:chgData name="Cesar Augusto Lopez Gallego" userId="0dfa9112-9251-4882-b472-cf2dfcee09d1" providerId="ADAL" clId="{AB12C4D5-F8E9-473E-B44F-E606091E5539}" dt="2024-07-17T18:27:51.234" v="0" actId="47"/>
-      <pc:docMkLst>
-        <pc:docMk/>
-      </pc:docMkLst>
-      <pc:sldChg chg="del">
-        <pc:chgData name="Cesar Augusto Lopez Gallego" userId="0dfa9112-9251-4882-b472-cf2dfcee09d1" providerId="ADAL" clId="{AB12C4D5-F8E9-473E-B44F-E606091E5539}" dt="2024-07-17T18:27:51.234" v="0" actId="47"/>
-        <pc:sldMkLst>
-          <pc:docMk/>
-          <pc:sldMk cId="3447092870" sldId="1061"/>
-        </pc:sldMkLst>
-      </pc:sldChg>
-    </pc:docChg>
-  </pc:docChgLst>
 </pc:chgInfo>
 </file>
 
@@ -1411,7 +1523,7 @@
           <a:p>
             <a:fld id="{BDCF4082-7146-476A-B590-4447682ABE83}" type="datetimeFigureOut">
               <a:rPr lang="es-CO" smtClean="0"/>
-              <a:t>16/01/2025</a:t>
+              <a:t>24/07/2025</a:t>
             </a:fld>
             <a:endParaRPr lang="es-CO"/>
           </a:p>
@@ -1570,7 +1682,7 @@
           <a:p>
             <a:fld id="{7B36A931-19EC-45C7-8535-923E2C626D9D}" type="slidenum">
               <a:rPr lang="es-CO" smtClean="0"/>
-              <a:t>‹#›</a:t>
+              <a:t>‹Nº›</a:t>
             </a:fld>
             <a:endParaRPr lang="es-CO"/>
           </a:p>
@@ -1810,7 +1922,7 @@
           <a:p>
             <a:fld id="{6B86245D-015E-46AE-96CC-32E8A5E9A1DF}" type="datetimeFigureOut">
               <a:rPr lang="es-CO" smtClean="0"/>
-              <a:t>16/01/2025</a:t>
+              <a:t>24/07/2025</a:t>
             </a:fld>
             <a:endParaRPr lang="es-CO"/>
           </a:p>
@@ -1852,7 +1964,7 @@
           <a:p>
             <a:fld id="{31C52531-C0F7-4A3B-9293-860134404F61}" type="slidenum">
               <a:rPr lang="es-CO" smtClean="0"/>
-              <a:t>‹#›</a:t>
+              <a:t>‹Nº›</a:t>
             </a:fld>
             <a:endParaRPr lang="es-CO"/>
           </a:p>
@@ -1980,7 +2092,7 @@
           <a:p>
             <a:fld id="{6B86245D-015E-46AE-96CC-32E8A5E9A1DF}" type="datetimeFigureOut">
               <a:rPr lang="es-CO" smtClean="0"/>
-              <a:t>16/01/2025</a:t>
+              <a:t>24/07/2025</a:t>
             </a:fld>
             <a:endParaRPr lang="es-CO"/>
           </a:p>
@@ -2022,7 +2134,7 @@
           <a:p>
             <a:fld id="{31C52531-C0F7-4A3B-9293-860134404F61}" type="slidenum">
               <a:rPr lang="es-CO" smtClean="0"/>
-              <a:t>‹#›</a:t>
+              <a:t>‹Nº›</a:t>
             </a:fld>
             <a:endParaRPr lang="es-CO"/>
           </a:p>
@@ -2160,7 +2272,7 @@
           <a:p>
             <a:fld id="{6B86245D-015E-46AE-96CC-32E8A5E9A1DF}" type="datetimeFigureOut">
               <a:rPr lang="es-CO" smtClean="0"/>
-              <a:t>16/01/2025</a:t>
+              <a:t>24/07/2025</a:t>
             </a:fld>
             <a:endParaRPr lang="es-CO"/>
           </a:p>
@@ -2202,7 +2314,7 @@
           <a:p>
             <a:fld id="{31C52531-C0F7-4A3B-9293-860134404F61}" type="slidenum">
               <a:rPr lang="es-CO" smtClean="0"/>
-              <a:t>‹#›</a:t>
+              <a:t>‹Nº›</a:t>
             </a:fld>
             <a:endParaRPr lang="es-CO"/>
           </a:p>
@@ -2359,7 +2471,7 @@
                 </a:solidFill>
               </a:rPr>
               <a:pPr/>
-              <a:t>16/01/2025</a:t>
+              <a:t>24/07/2025</a:t>
             </a:fld>
             <a:endParaRPr lang="es-CO">
               <a:solidFill>
@@ -2420,7 +2532,7 @@
                 </a:solidFill>
               </a:rPr>
               <a:pPr/>
-              <a:t>‹#›</a:t>
+              <a:t>‹Nº›</a:t>
             </a:fld>
             <a:endParaRPr lang="es-CO">
               <a:solidFill>
@@ -2561,7 +2673,7 @@
                 </a:solidFill>
               </a:rPr>
               <a:pPr/>
-              <a:t>16/01/2025</a:t>
+              <a:t>24/07/2025</a:t>
             </a:fld>
             <a:endParaRPr lang="es-CO">
               <a:solidFill>
@@ -2622,7 +2734,7 @@
                 </a:solidFill>
               </a:rPr>
               <a:pPr/>
-              <a:t>‹#›</a:t>
+              <a:t>‹Nº›</a:t>
             </a:fld>
             <a:endParaRPr lang="es-CO">
               <a:solidFill>
@@ -2839,7 +2951,7 @@
                 </a:solidFill>
               </a:rPr>
               <a:pPr/>
-              <a:t>16/01/2025</a:t>
+              <a:t>24/07/2025</a:t>
             </a:fld>
             <a:endParaRPr lang="es-CO">
               <a:solidFill>
@@ -2900,7 +3012,7 @@
                 </a:solidFill>
               </a:rPr>
               <a:pPr/>
-              <a:t>‹#›</a:t>
+              <a:t>‹Nº›</a:t>
             </a:fld>
             <a:endParaRPr lang="es-CO">
               <a:solidFill>
@@ -3103,7 +3215,7 @@
                 </a:solidFill>
               </a:rPr>
               <a:pPr/>
-              <a:t>16/01/2025</a:t>
+              <a:t>24/07/2025</a:t>
             </a:fld>
             <a:endParaRPr lang="es-CO">
               <a:solidFill>
@@ -3164,7 +3276,7 @@
                 </a:solidFill>
               </a:rPr>
               <a:pPr/>
-              <a:t>‹#›</a:t>
+              <a:t>‹Nº›</a:t>
             </a:fld>
             <a:endParaRPr lang="es-CO">
               <a:solidFill>
@@ -3502,7 +3614,7 @@
                 </a:solidFill>
               </a:rPr>
               <a:pPr/>
-              <a:t>16/01/2025</a:t>
+              <a:t>24/07/2025</a:t>
             </a:fld>
             <a:endParaRPr lang="es-CO">
               <a:solidFill>
@@ -3563,7 +3675,7 @@
                 </a:solidFill>
               </a:rPr>
               <a:pPr/>
-              <a:t>‹#›</a:t>
+              <a:t>‹Nº›</a:t>
             </a:fld>
             <a:endParaRPr lang="es-CO">
               <a:solidFill>
@@ -3652,7 +3764,7 @@
                 </a:solidFill>
               </a:rPr>
               <a:pPr/>
-              <a:t>16/01/2025</a:t>
+              <a:t>24/07/2025</a:t>
             </a:fld>
             <a:endParaRPr lang="es-CO">
               <a:solidFill>
@@ -3713,7 +3825,7 @@
                 </a:solidFill>
               </a:rPr>
               <a:pPr/>
-              <a:t>‹#›</a:t>
+              <a:t>‹Nº›</a:t>
             </a:fld>
             <a:endParaRPr lang="es-CO">
               <a:solidFill>
@@ -3779,7 +3891,7 @@
                 </a:solidFill>
               </a:rPr>
               <a:pPr/>
-              <a:t>16/01/2025</a:t>
+              <a:t>24/07/2025</a:t>
             </a:fld>
             <a:endParaRPr lang="es-CO">
               <a:solidFill>
@@ -3840,7 +3952,7 @@
                 </a:solidFill>
               </a:rPr>
               <a:pPr/>
-              <a:t>‹#›</a:t>
+              <a:t>‹Nº›</a:t>
             </a:fld>
             <a:endParaRPr lang="es-CO">
               <a:solidFill>
@@ -4088,7 +4200,7 @@
                 </a:solidFill>
               </a:rPr>
               <a:pPr/>
-              <a:t>16/01/2025</a:t>
+              <a:t>24/07/2025</a:t>
             </a:fld>
             <a:endParaRPr lang="es-CO">
               <a:solidFill>
@@ -4149,7 +4261,7 @@
                 </a:solidFill>
               </a:rPr>
               <a:pPr/>
-              <a:t>‹#›</a:t>
+              <a:t>‹Nº›</a:t>
             </a:fld>
             <a:endParaRPr lang="es-CO">
               <a:solidFill>
@@ -4283,7 +4395,7 @@
           <a:p>
             <a:fld id="{6B86245D-015E-46AE-96CC-32E8A5E9A1DF}" type="datetimeFigureOut">
               <a:rPr lang="es-CO" smtClean="0"/>
-              <a:t>16/01/2025</a:t>
+              <a:t>24/07/2025</a:t>
             </a:fld>
             <a:endParaRPr lang="es-CO"/>
           </a:p>
@@ -4325,7 +4437,7 @@
           <a:p>
             <a:fld id="{31C52531-C0F7-4A3B-9293-860134404F61}" type="slidenum">
               <a:rPr lang="es-CO" smtClean="0"/>
-              <a:t>‹#›</a:t>
+              <a:t>‹Nº›</a:t>
             </a:fld>
             <a:endParaRPr lang="es-CO"/>
           </a:p>
@@ -4547,7 +4659,7 @@
                 </a:solidFill>
               </a:rPr>
               <a:pPr/>
-              <a:t>16/01/2025</a:t>
+              <a:t>24/07/2025</a:t>
             </a:fld>
             <a:endParaRPr lang="es-CO">
               <a:solidFill>
@@ -4608,7 +4720,7 @@
                 </a:solidFill>
               </a:rPr>
               <a:pPr/>
-              <a:t>‹#›</a:t>
+              <a:t>‹Nº›</a:t>
             </a:fld>
             <a:endParaRPr lang="es-CO">
               <a:solidFill>
@@ -4749,7 +4861,7 @@
                 </a:solidFill>
               </a:rPr>
               <a:pPr/>
-              <a:t>16/01/2025</a:t>
+              <a:t>24/07/2025</a:t>
             </a:fld>
             <a:endParaRPr lang="es-CO">
               <a:solidFill>
@@ -4810,7 +4922,7 @@
                 </a:solidFill>
               </a:rPr>
               <a:pPr/>
-              <a:t>‹#›</a:t>
+              <a:t>‹Nº›</a:t>
             </a:fld>
             <a:endParaRPr lang="es-CO">
               <a:solidFill>
@@ -4961,7 +5073,7 @@
                 </a:solidFill>
               </a:rPr>
               <a:pPr/>
-              <a:t>16/01/2025</a:t>
+              <a:t>24/07/2025</a:t>
             </a:fld>
             <a:endParaRPr lang="es-CO">
               <a:solidFill>
@@ -5022,7 +5134,7 @@
                 </a:solidFill>
               </a:rPr>
               <a:pPr/>
-              <a:t>‹#›</a:t>
+              <a:t>‹Nº›</a:t>
             </a:fld>
             <a:endParaRPr lang="es-CO">
               <a:solidFill>
@@ -5232,7 +5344,7 @@
           <a:p>
             <a:fld id="{6B86245D-015E-46AE-96CC-32E8A5E9A1DF}" type="datetimeFigureOut">
               <a:rPr lang="es-CO" smtClean="0"/>
-              <a:t>16/01/2025</a:t>
+              <a:t>24/07/2025</a:t>
             </a:fld>
             <a:endParaRPr lang="es-CO"/>
           </a:p>
@@ -5274,7 +5386,7 @@
           <a:p>
             <a:fld id="{31C52531-C0F7-4A3B-9293-860134404F61}" type="slidenum">
               <a:rPr lang="es-CO" smtClean="0"/>
-              <a:t>‹#›</a:t>
+              <a:t>‹Nº›</a:t>
             </a:fld>
             <a:endParaRPr lang="es-CO"/>
           </a:p>
@@ -5464,7 +5576,7 @@
           <a:p>
             <a:fld id="{6B86245D-015E-46AE-96CC-32E8A5E9A1DF}" type="datetimeFigureOut">
               <a:rPr lang="es-CO" smtClean="0"/>
-              <a:t>16/01/2025</a:t>
+              <a:t>24/07/2025</a:t>
             </a:fld>
             <a:endParaRPr lang="es-CO"/>
           </a:p>
@@ -5506,7 +5618,7 @@
           <a:p>
             <a:fld id="{31C52531-C0F7-4A3B-9293-860134404F61}" type="slidenum">
               <a:rPr lang="es-CO" smtClean="0"/>
-              <a:t>‹#›</a:t>
+              <a:t>‹Nº›</a:t>
             </a:fld>
             <a:endParaRPr lang="es-CO"/>
           </a:p>
@@ -5831,7 +5943,7 @@
           <a:p>
             <a:fld id="{6B86245D-015E-46AE-96CC-32E8A5E9A1DF}" type="datetimeFigureOut">
               <a:rPr lang="es-CO" smtClean="0"/>
-              <a:t>16/01/2025</a:t>
+              <a:t>24/07/2025</a:t>
             </a:fld>
             <a:endParaRPr lang="es-CO"/>
           </a:p>
@@ -5873,7 +5985,7 @@
           <a:p>
             <a:fld id="{31C52531-C0F7-4A3B-9293-860134404F61}" type="slidenum">
               <a:rPr lang="es-CO" smtClean="0"/>
-              <a:t>‹#›</a:t>
+              <a:t>‹Nº›</a:t>
             </a:fld>
             <a:endParaRPr lang="es-CO"/>
           </a:p>
@@ -5949,7 +6061,7 @@
           <a:p>
             <a:fld id="{6B86245D-015E-46AE-96CC-32E8A5E9A1DF}" type="datetimeFigureOut">
               <a:rPr lang="es-CO" smtClean="0"/>
-              <a:t>16/01/2025</a:t>
+              <a:t>24/07/2025</a:t>
             </a:fld>
             <a:endParaRPr lang="es-CO"/>
           </a:p>
@@ -5991,7 +6103,7 @@
           <a:p>
             <a:fld id="{31C52531-C0F7-4A3B-9293-860134404F61}" type="slidenum">
               <a:rPr lang="es-CO" smtClean="0"/>
-              <a:t>‹#›</a:t>
+              <a:t>‹Nº›</a:t>
             </a:fld>
             <a:endParaRPr lang="es-CO"/>
           </a:p>
@@ -6044,7 +6156,7 @@
           <a:p>
             <a:fld id="{6B86245D-015E-46AE-96CC-32E8A5E9A1DF}" type="datetimeFigureOut">
               <a:rPr lang="es-CO" smtClean="0"/>
-              <a:t>16/01/2025</a:t>
+              <a:t>24/07/2025</a:t>
             </a:fld>
             <a:endParaRPr lang="es-CO"/>
           </a:p>
@@ -6086,7 +6198,7 @@
           <a:p>
             <a:fld id="{31C52531-C0F7-4A3B-9293-860134404F61}" type="slidenum">
               <a:rPr lang="es-CO" smtClean="0"/>
-              <a:t>‹#›</a:t>
+              <a:t>‹Nº›</a:t>
             </a:fld>
             <a:endParaRPr lang="es-CO"/>
           </a:p>
@@ -6321,7 +6433,7 @@
           <a:p>
             <a:fld id="{6B86245D-015E-46AE-96CC-32E8A5E9A1DF}" type="datetimeFigureOut">
               <a:rPr lang="es-CO" smtClean="0"/>
-              <a:t>16/01/2025</a:t>
+              <a:t>24/07/2025</a:t>
             </a:fld>
             <a:endParaRPr lang="es-CO"/>
           </a:p>
@@ -6363,7 +6475,7 @@
           <a:p>
             <a:fld id="{31C52531-C0F7-4A3B-9293-860134404F61}" type="slidenum">
               <a:rPr lang="es-CO" smtClean="0"/>
-              <a:t>‹#›</a:t>
+              <a:t>‹Nº›</a:t>
             </a:fld>
             <a:endParaRPr lang="es-CO"/>
           </a:p>
@@ -6578,7 +6690,7 @@
           <a:p>
             <a:fld id="{6B86245D-015E-46AE-96CC-32E8A5E9A1DF}" type="datetimeFigureOut">
               <a:rPr lang="es-CO" smtClean="0"/>
-              <a:t>16/01/2025</a:t>
+              <a:t>24/07/2025</a:t>
             </a:fld>
             <a:endParaRPr lang="es-CO"/>
           </a:p>
@@ -6620,7 +6732,7 @@
           <a:p>
             <a:fld id="{31C52531-C0F7-4A3B-9293-860134404F61}" type="slidenum">
               <a:rPr lang="es-CO" smtClean="0"/>
-              <a:t>‹#›</a:t>
+              <a:t>‹Nº›</a:t>
             </a:fld>
             <a:endParaRPr lang="es-CO"/>
           </a:p>
@@ -6800,7 +6912,7 @@
           <a:p>
             <a:fld id="{6B86245D-015E-46AE-96CC-32E8A5E9A1DF}" type="datetimeFigureOut">
               <a:rPr lang="es-CO" smtClean="0"/>
-              <a:t>16/01/2025</a:t>
+              <a:t>24/07/2025</a:t>
             </a:fld>
             <a:endParaRPr lang="es-CO"/>
           </a:p>
@@ -6878,7 +6990,7 @@
           <a:p>
             <a:fld id="{31C52531-C0F7-4A3B-9293-860134404F61}" type="slidenum">
               <a:rPr lang="es-CO" smtClean="0"/>
-              <a:t>‹#›</a:t>
+              <a:t>‹Nº›</a:t>
             </a:fld>
             <a:endParaRPr lang="es-CO"/>
           </a:p>
@@ -7356,7 +7468,7 @@
                 </a:solidFill>
               </a:rPr>
               <a:pPr/>
-              <a:t>16/01/2025</a:t>
+              <a:t>24/07/2025</a:t>
             </a:fld>
             <a:endParaRPr lang="es-CO">
               <a:solidFill>
@@ -7453,7 +7565,7 @@
                 </a:solidFill>
               </a:rPr>
               <a:pPr/>
-              <a:t>‹#›</a:t>
+              <a:t>‹Nº›</a:t>
             </a:fld>
             <a:endParaRPr lang="es-CO">
               <a:solidFill>
@@ -7835,6 +7947,146 @@
           <p:cNvPr id="2" name="Título 1">
             <a:extLst>
               <a:ext uri="{FF2B5EF4-FFF2-40B4-BE49-F238E27FC236}">
+                <a16:creationId xmlns:a16="http://schemas.microsoft.com/office/drawing/2014/main" id="{4D126B3B-0910-4AD4-8ED0-1964493F3EB2}"/>
+              </a:ext>
+            </a:extLst>
+          </p:cNvPr>
+          <p:cNvSpPr>
+            <a:spLocks noGrp="1"/>
+          </p:cNvSpPr>
+          <p:nvPr>
+            <p:ph type="title"/>
+          </p:nvPr>
+        </p:nvSpPr>
+        <p:spPr/>
+        <p:txBody>
+          <a:bodyPr/>
+          <a:lstStyle/>
+          <a:p>
+            <a:r>
+              <a:rPr lang="es-ES" dirty="0"/>
+              <a:t>Funciones de orden superior</a:t>
+            </a:r>
+            <a:endParaRPr lang="es-CO" dirty="0"/>
+          </a:p>
+        </p:txBody>
+      </p:sp>
+      <p:sp>
+        <p:nvSpPr>
+          <p:cNvPr id="3" name="Marcador de contenido 2">
+            <a:extLst>
+              <a:ext uri="{FF2B5EF4-FFF2-40B4-BE49-F238E27FC236}">
+                <a16:creationId xmlns:a16="http://schemas.microsoft.com/office/drawing/2014/main" id="{45230D3A-9A65-4780-9840-E7E9D4A7A72B}"/>
+              </a:ext>
+            </a:extLst>
+          </p:cNvPr>
+          <p:cNvSpPr>
+            <a:spLocks noGrp="1"/>
+          </p:cNvSpPr>
+          <p:nvPr>
+            <p:ph idx="1"/>
+          </p:nvPr>
+        </p:nvSpPr>
+        <p:spPr/>
+        <p:txBody>
+          <a:bodyPr/>
+          <a:lstStyle/>
+          <a:p>
+            <a:r>
+              <a:rPr lang="es-ES" dirty="0"/>
+              <a:t>Es una función que acepta a otra función como un parámetro o argumento</a:t>
+            </a:r>
+            <a:r>
+              <a:rPr lang="es-CO" dirty="0"/>
+              <a:t> y puede devolver una función como tipo de retorno</a:t>
+            </a:r>
+          </a:p>
+          <a:p>
+            <a:r>
+              <a:rPr lang="es-CO" dirty="0">
+                <a:solidFill>
+                  <a:schemeClr val="bg1"/>
+                </a:solidFill>
+                <a:highlight>
+                  <a:srgbClr val="008000"/>
+                </a:highlight>
+              </a:rPr>
+              <a:t>Es el pilar de la programación funcional</a:t>
+            </a:r>
+          </a:p>
+          <a:p>
+            <a:r>
+              <a:rPr lang="es-ES" dirty="0"/>
+              <a:t>El término funciones de orden superior se refiere básicamente a 3 funciones: </a:t>
+            </a:r>
+            <a:r>
+              <a:rPr lang="es-ES" dirty="0" err="1"/>
+              <a:t>Map</a:t>
+            </a:r>
+            <a:r>
+              <a:rPr lang="es-ES" dirty="0"/>
+              <a:t>, </a:t>
+            </a:r>
+            <a:r>
+              <a:rPr lang="es-ES" dirty="0" err="1"/>
+              <a:t>Filter</a:t>
+            </a:r>
+            <a:r>
+              <a:rPr lang="es-ES" dirty="0"/>
+              <a:t> y </a:t>
+            </a:r>
+            <a:r>
+              <a:rPr lang="es-ES" dirty="0" err="1"/>
+              <a:t>Fold</a:t>
+            </a:r>
+            <a:endParaRPr lang="es-ES" dirty="0"/>
+          </a:p>
+          <a:p>
+            <a:r>
+              <a:rPr lang="es-ES" dirty="0"/>
+              <a:t>.NET entrega estas funciones a través de LINQ a partir de la versión 3.5. </a:t>
+            </a:r>
+          </a:p>
+          <a:p>
+            <a:endParaRPr lang="en-US" dirty="0"/>
+          </a:p>
+        </p:txBody>
+      </p:sp>
+    </p:spTree>
+    <p:extLst>
+      <p:ext uri="{BB962C8B-B14F-4D97-AF65-F5344CB8AC3E}">
+        <p14:creationId xmlns:p14="http://schemas.microsoft.com/office/powerpoint/2010/main" val="2473792924"/>
+      </p:ext>
+    </p:extLst>
+  </p:cSld>
+  <p:clrMapOvr>
+    <a:masterClrMapping/>
+  </p:clrMapOvr>
+</p:sld>
+</file>
+
+<file path=ppt/slides/slide11.xml><?xml version="1.0" encoding="utf-8"?>
+<p:sld xmlns:a="http://schemas.openxmlformats.org/drawingml/2006/main" xmlns:r="http://schemas.openxmlformats.org/officeDocument/2006/relationships" xmlns:p="http://schemas.openxmlformats.org/presentationml/2006/main">
+  <p:cSld>
+    <p:spTree>
+      <p:nvGrpSpPr>
+        <p:cNvPr id="1" name=""/>
+        <p:cNvGrpSpPr/>
+        <p:nvPr/>
+      </p:nvGrpSpPr>
+      <p:grpSpPr>
+        <a:xfrm>
+          <a:off x="0" y="0"/>
+          <a:ext cx="0" cy="0"/>
+          <a:chOff x="0" y="0"/>
+          <a:chExt cx="0" cy="0"/>
+        </a:xfrm>
+      </p:grpSpPr>
+      <p:sp>
+        <p:nvSpPr>
+          <p:cNvPr id="2" name="Título 1">
+            <a:extLst>
+              <a:ext uri="{FF2B5EF4-FFF2-40B4-BE49-F238E27FC236}">
                 <a16:creationId xmlns:a16="http://schemas.microsoft.com/office/drawing/2014/main" id="{21DFF3A8-55EF-4581-A1E8-D1DC6E098478}"/>
               </a:ext>
             </a:extLst>
@@ -8008,7 +8260,7 @@
 </p:sld>
 </file>
 
-<file path=ppt/slides/slide11.xml><?xml version="1.0" encoding="utf-8"?>
+<file path=ppt/slides/slide12.xml><?xml version="1.0" encoding="utf-8"?>
 <p:sld xmlns:a="http://schemas.openxmlformats.org/drawingml/2006/main" xmlns:r="http://schemas.openxmlformats.org/officeDocument/2006/relationships" xmlns:p="http://schemas.openxmlformats.org/presentationml/2006/main">
   <p:cSld>
     <p:spTree>
@@ -8101,7 +8353,7 @@
 </p:sld>
 </file>
 
-<file path=ppt/slides/slide12.xml><?xml version="1.0" encoding="utf-8"?>
+<file path=ppt/slides/slide13.xml><?xml version="1.0" encoding="utf-8"?>
 <p:sld xmlns:a="http://schemas.openxmlformats.org/drawingml/2006/main" xmlns:r="http://schemas.openxmlformats.org/officeDocument/2006/relationships" xmlns:p="http://schemas.openxmlformats.org/presentationml/2006/main">
   <p:cSld>
     <p:spTree>
@@ -8514,90 +8766,6 @@
 </p:sld>
 </file>
 
-<file path=ppt/slides/slide13.xml><?xml version="1.0" encoding="utf-8"?>
-<p:sld xmlns:a="http://schemas.openxmlformats.org/drawingml/2006/main" xmlns:r="http://schemas.openxmlformats.org/officeDocument/2006/relationships" xmlns:p="http://schemas.openxmlformats.org/presentationml/2006/main">
-  <p:cSld>
-    <p:spTree>
-      <p:nvGrpSpPr>
-        <p:cNvPr id="1" name=""/>
-        <p:cNvGrpSpPr/>
-        <p:nvPr/>
-      </p:nvGrpSpPr>
-      <p:grpSpPr>
-        <a:xfrm>
-          <a:off x="0" y="0"/>
-          <a:ext cx="0" cy="0"/>
-          <a:chOff x="0" y="0"/>
-          <a:chExt cx="0" cy="0"/>
-        </a:xfrm>
-      </p:grpSpPr>
-      <p:sp>
-        <p:nvSpPr>
-          <p:cNvPr id="4" name="Título 1">
-            <a:extLst>
-              <a:ext uri="{FF2B5EF4-FFF2-40B4-BE49-F238E27FC236}">
-                <a16:creationId xmlns:a16="http://schemas.microsoft.com/office/drawing/2014/main" id="{AEEA0A8A-485C-43B4-946C-E16D84699B4E}"/>
-              </a:ext>
-            </a:extLst>
-          </p:cNvPr>
-          <p:cNvSpPr>
-            <a:spLocks noGrp="1"/>
-          </p:cNvSpPr>
-          <p:nvPr>
-            <p:ph type="ctrTitle"/>
-          </p:nvPr>
-        </p:nvSpPr>
-        <p:spPr/>
-        <p:txBody>
-          <a:bodyPr/>
-          <a:lstStyle/>
-          <a:p>
-            <a:r>
-              <a:rPr lang="es-ES" dirty="0"/>
-              <a:t>Ejemplos LINQ con Listas</a:t>
-            </a:r>
-            <a:endParaRPr lang="es-CO" dirty="0"/>
-          </a:p>
-        </p:txBody>
-      </p:sp>
-      <p:sp>
-        <p:nvSpPr>
-          <p:cNvPr id="5" name="Subtítulo 4">
-            <a:extLst>
-              <a:ext uri="{FF2B5EF4-FFF2-40B4-BE49-F238E27FC236}">
-                <a16:creationId xmlns:a16="http://schemas.microsoft.com/office/drawing/2014/main" id="{CA83569A-DD55-4369-BE7F-35D14511B0D3}"/>
-              </a:ext>
-            </a:extLst>
-          </p:cNvPr>
-          <p:cNvSpPr>
-            <a:spLocks noGrp="1"/>
-          </p:cNvSpPr>
-          <p:nvPr>
-            <p:ph type="subTitle" idx="1"/>
-          </p:nvPr>
-        </p:nvSpPr>
-        <p:spPr/>
-        <p:txBody>
-          <a:bodyPr/>
-          <a:lstStyle/>
-          <a:p>
-            <a:endParaRPr lang="es-419"/>
-          </a:p>
-        </p:txBody>
-      </p:sp>
-    </p:spTree>
-    <p:extLst>
-      <p:ext uri="{BB962C8B-B14F-4D97-AF65-F5344CB8AC3E}">
-        <p14:creationId xmlns:p14="http://schemas.microsoft.com/office/powerpoint/2010/main" val="1260261371"/>
-      </p:ext>
-    </p:extLst>
-  </p:cSld>
-  <p:clrMapOvr>
-    <a:masterClrMapping/>
-  </p:clrMapOvr>
-</p:sld>
-</file>
-
 <file path=ppt/slides/slide14.xml><?xml version="1.0" encoding="utf-8"?>
 <p:sld xmlns:a="http://schemas.openxmlformats.org/drawingml/2006/main" xmlns:r="http://schemas.openxmlformats.org/officeDocument/2006/relationships" xmlns:p="http://schemas.openxmlformats.org/presentationml/2006/main">
   <p:cSld>
@@ -8638,6 +8806,90 @@
           <a:p>
             <a:r>
               <a:rPr lang="es-ES" dirty="0"/>
+              <a:t>Ejemplos LINQ con Listas</a:t>
+            </a:r>
+            <a:endParaRPr lang="es-CO" dirty="0"/>
+          </a:p>
+        </p:txBody>
+      </p:sp>
+      <p:sp>
+        <p:nvSpPr>
+          <p:cNvPr id="5" name="Subtítulo 4">
+            <a:extLst>
+              <a:ext uri="{FF2B5EF4-FFF2-40B4-BE49-F238E27FC236}">
+                <a16:creationId xmlns:a16="http://schemas.microsoft.com/office/drawing/2014/main" id="{CA83569A-DD55-4369-BE7F-35D14511B0D3}"/>
+              </a:ext>
+            </a:extLst>
+          </p:cNvPr>
+          <p:cNvSpPr>
+            <a:spLocks noGrp="1"/>
+          </p:cNvSpPr>
+          <p:nvPr>
+            <p:ph type="subTitle" idx="1"/>
+          </p:nvPr>
+        </p:nvSpPr>
+        <p:spPr/>
+        <p:txBody>
+          <a:bodyPr/>
+          <a:lstStyle/>
+          <a:p>
+            <a:endParaRPr lang="es-419"/>
+          </a:p>
+        </p:txBody>
+      </p:sp>
+    </p:spTree>
+    <p:extLst>
+      <p:ext uri="{BB962C8B-B14F-4D97-AF65-F5344CB8AC3E}">
+        <p14:creationId xmlns:p14="http://schemas.microsoft.com/office/powerpoint/2010/main" val="1260261371"/>
+      </p:ext>
+    </p:extLst>
+  </p:cSld>
+  <p:clrMapOvr>
+    <a:masterClrMapping/>
+  </p:clrMapOvr>
+</p:sld>
+</file>
+
+<file path=ppt/slides/slide15.xml><?xml version="1.0" encoding="utf-8"?>
+<p:sld xmlns:a="http://schemas.openxmlformats.org/drawingml/2006/main" xmlns:r="http://schemas.openxmlformats.org/officeDocument/2006/relationships" xmlns:p="http://schemas.openxmlformats.org/presentationml/2006/main">
+  <p:cSld>
+    <p:spTree>
+      <p:nvGrpSpPr>
+        <p:cNvPr id="1" name=""/>
+        <p:cNvGrpSpPr/>
+        <p:nvPr/>
+      </p:nvGrpSpPr>
+      <p:grpSpPr>
+        <a:xfrm>
+          <a:off x="0" y="0"/>
+          <a:ext cx="0" cy="0"/>
+          <a:chOff x="0" y="0"/>
+          <a:chExt cx="0" cy="0"/>
+        </a:xfrm>
+      </p:grpSpPr>
+      <p:sp>
+        <p:nvSpPr>
+          <p:cNvPr id="4" name="Título 1">
+            <a:extLst>
+              <a:ext uri="{FF2B5EF4-FFF2-40B4-BE49-F238E27FC236}">
+                <a16:creationId xmlns:a16="http://schemas.microsoft.com/office/drawing/2014/main" id="{AEEA0A8A-485C-43B4-946C-E16D84699B4E}"/>
+              </a:ext>
+            </a:extLst>
+          </p:cNvPr>
+          <p:cNvSpPr>
+            <a:spLocks noGrp="1"/>
+          </p:cNvSpPr>
+          <p:nvPr>
+            <p:ph type="ctrTitle"/>
+          </p:nvPr>
+        </p:nvSpPr>
+        <p:spPr/>
+        <p:txBody>
+          <a:bodyPr/>
+          <a:lstStyle/>
+          <a:p>
+            <a:r>
+              <a:rPr lang="es-ES" dirty="0"/>
               <a:t>Ejemplos LINQ con Clases y Objetos </a:t>
             </a:r>
             <a:endParaRPr lang="es-CO" dirty="0"/>
@@ -8682,7 +8934,7 @@
 </p:sld>
 </file>
 
-<file path=ppt/slides/slide15.xml><?xml version="1.0" encoding="utf-8"?>
+<file path=ppt/slides/slide16.xml><?xml version="1.0" encoding="utf-8"?>
 <p:sld xmlns:a="http://schemas.openxmlformats.org/drawingml/2006/main" xmlns:r="http://schemas.openxmlformats.org/officeDocument/2006/relationships" xmlns:p="http://schemas.openxmlformats.org/presentationml/2006/main">
   <p:cSld>
     <p:spTree>
@@ -10522,108 +10774,6 @@
 </p:sld>
 </file>
 
-<file path=ppt/slides/slide16.xml><?xml version="1.0" encoding="utf-8"?>
-<p:sld xmlns:a="http://schemas.openxmlformats.org/drawingml/2006/main" xmlns:r="http://schemas.openxmlformats.org/officeDocument/2006/relationships" xmlns:p="http://schemas.openxmlformats.org/presentationml/2006/main">
-  <p:cSld>
-    <p:spTree>
-      <p:nvGrpSpPr>
-        <p:cNvPr id="1" name=""/>
-        <p:cNvGrpSpPr/>
-        <p:nvPr/>
-      </p:nvGrpSpPr>
-      <p:grpSpPr>
-        <a:xfrm>
-          <a:off x="0" y="0"/>
-          <a:ext cx="0" cy="0"/>
-          <a:chOff x="0" y="0"/>
-          <a:chExt cx="0" cy="0"/>
-        </a:xfrm>
-      </p:grpSpPr>
-      <p:sp>
-        <p:nvSpPr>
-          <p:cNvPr id="2" name="Título 1">
-            <a:extLst>
-              <a:ext uri="{FF2B5EF4-FFF2-40B4-BE49-F238E27FC236}">
-                <a16:creationId xmlns:a16="http://schemas.microsoft.com/office/drawing/2014/main" id="{74059FC7-7344-43BD-8258-BF1763856E68}"/>
-              </a:ext>
-            </a:extLst>
-          </p:cNvPr>
-          <p:cNvSpPr>
-            <a:spLocks noGrp="1"/>
-          </p:cNvSpPr>
-          <p:nvPr>
-            <p:ph type="title"/>
-          </p:nvPr>
-        </p:nvSpPr>
-        <p:spPr/>
-        <p:txBody>
-          <a:bodyPr/>
-          <a:lstStyle/>
-          <a:p>
-            <a:r>
-              <a:rPr lang="es-ES" dirty="0"/>
-              <a:t>Recursos cibergráficos</a:t>
-            </a:r>
-            <a:endParaRPr lang="es-CO" dirty="0"/>
-          </a:p>
-        </p:txBody>
-      </p:sp>
-      <p:sp>
-        <p:nvSpPr>
-          <p:cNvPr id="3" name="Marcador de contenido 2">
-            <a:extLst>
-              <a:ext uri="{FF2B5EF4-FFF2-40B4-BE49-F238E27FC236}">
-                <a16:creationId xmlns:a16="http://schemas.microsoft.com/office/drawing/2014/main" id="{B4630FF2-5991-461A-81D9-2A73B2B803DE}"/>
-              </a:ext>
-            </a:extLst>
-          </p:cNvPr>
-          <p:cNvSpPr>
-            <a:spLocks noGrp="1"/>
-          </p:cNvSpPr>
-          <p:nvPr>
-            <p:ph idx="1"/>
-          </p:nvPr>
-        </p:nvSpPr>
-        <p:spPr/>
-        <p:txBody>
-          <a:bodyPr/>
-          <a:lstStyle/>
-          <a:p>
-            <a:r>
-              <a:rPr lang="es-CO" dirty="0">
-                <a:hlinkClick r:id="rId2"/>
-              </a:rPr>
-              <a:t>https://thatcsharpguy.com/tv/funcional/</a:t>
-            </a:r>
-            <a:endParaRPr lang="es-CO" dirty="0"/>
-          </a:p>
-          <a:p>
-            <a:r>
-              <a:rPr lang="es-CO" dirty="0">
-                <a:hlinkClick r:id="rId3"/>
-              </a:rPr>
-              <a:t>https://learn.microsoft.com/es-es/dotnet/csharp/language-reference/operators/lambda-expressions</a:t>
-            </a:r>
-            <a:endParaRPr lang="es-CO" dirty="0"/>
-          </a:p>
-          <a:p>
-            <a:endParaRPr lang="es-CO" dirty="0"/>
-          </a:p>
-        </p:txBody>
-      </p:sp>
-    </p:spTree>
-    <p:extLst>
-      <p:ext uri="{BB962C8B-B14F-4D97-AF65-F5344CB8AC3E}">
-        <p14:creationId xmlns:p14="http://schemas.microsoft.com/office/powerpoint/2010/main" val="3581881813"/>
-      </p:ext>
-    </p:extLst>
-  </p:cSld>
-  <p:clrMapOvr>
-    <a:masterClrMapping/>
-  </p:clrMapOvr>
-</p:sld>
-</file>
-
 <file path=ppt/slides/slide17.xml><?xml version="1.0" encoding="utf-8"?>
 <p:sld xmlns:a="http://schemas.openxmlformats.org/drawingml/2006/main" xmlns:r="http://schemas.openxmlformats.org/officeDocument/2006/relationships" xmlns:p="http://schemas.openxmlformats.org/presentationml/2006/main">
   <p:cSld>
@@ -10646,6 +10796,108 @@
           <p:cNvPr id="2" name="Título 1">
             <a:extLst>
               <a:ext uri="{FF2B5EF4-FFF2-40B4-BE49-F238E27FC236}">
+                <a16:creationId xmlns:a16="http://schemas.microsoft.com/office/drawing/2014/main" id="{74059FC7-7344-43BD-8258-BF1763856E68}"/>
+              </a:ext>
+            </a:extLst>
+          </p:cNvPr>
+          <p:cNvSpPr>
+            <a:spLocks noGrp="1"/>
+          </p:cNvSpPr>
+          <p:nvPr>
+            <p:ph type="title"/>
+          </p:nvPr>
+        </p:nvSpPr>
+        <p:spPr/>
+        <p:txBody>
+          <a:bodyPr/>
+          <a:lstStyle/>
+          <a:p>
+            <a:r>
+              <a:rPr lang="es-ES" dirty="0"/>
+              <a:t>Recursos cibergráficos</a:t>
+            </a:r>
+            <a:endParaRPr lang="es-CO" dirty="0"/>
+          </a:p>
+        </p:txBody>
+      </p:sp>
+      <p:sp>
+        <p:nvSpPr>
+          <p:cNvPr id="3" name="Marcador de contenido 2">
+            <a:extLst>
+              <a:ext uri="{FF2B5EF4-FFF2-40B4-BE49-F238E27FC236}">
+                <a16:creationId xmlns:a16="http://schemas.microsoft.com/office/drawing/2014/main" id="{B4630FF2-5991-461A-81D9-2A73B2B803DE}"/>
+              </a:ext>
+            </a:extLst>
+          </p:cNvPr>
+          <p:cNvSpPr>
+            <a:spLocks noGrp="1"/>
+          </p:cNvSpPr>
+          <p:nvPr>
+            <p:ph idx="1"/>
+          </p:nvPr>
+        </p:nvSpPr>
+        <p:spPr/>
+        <p:txBody>
+          <a:bodyPr/>
+          <a:lstStyle/>
+          <a:p>
+            <a:r>
+              <a:rPr lang="es-CO" dirty="0">
+                <a:hlinkClick r:id="rId2"/>
+              </a:rPr>
+              <a:t>https://thatcsharpguy.com/tv/funcional/</a:t>
+            </a:r>
+            <a:endParaRPr lang="es-CO" dirty="0"/>
+          </a:p>
+          <a:p>
+            <a:r>
+              <a:rPr lang="es-CO" dirty="0">
+                <a:hlinkClick r:id="rId3"/>
+              </a:rPr>
+              <a:t>https://learn.microsoft.com/es-es/dotnet/csharp/language-reference/operators/lambda-expressions</a:t>
+            </a:r>
+            <a:endParaRPr lang="es-CO" dirty="0"/>
+          </a:p>
+          <a:p>
+            <a:endParaRPr lang="es-CO" dirty="0"/>
+          </a:p>
+        </p:txBody>
+      </p:sp>
+    </p:spTree>
+    <p:extLst>
+      <p:ext uri="{BB962C8B-B14F-4D97-AF65-F5344CB8AC3E}">
+        <p14:creationId xmlns:p14="http://schemas.microsoft.com/office/powerpoint/2010/main" val="3581881813"/>
+      </p:ext>
+    </p:extLst>
+  </p:cSld>
+  <p:clrMapOvr>
+    <a:masterClrMapping/>
+  </p:clrMapOvr>
+</p:sld>
+</file>
+
+<file path=ppt/slides/slide18.xml><?xml version="1.0" encoding="utf-8"?>
+<p:sld xmlns:a="http://schemas.openxmlformats.org/drawingml/2006/main" xmlns:r="http://schemas.openxmlformats.org/officeDocument/2006/relationships" xmlns:p="http://schemas.openxmlformats.org/presentationml/2006/main">
+  <p:cSld>
+    <p:spTree>
+      <p:nvGrpSpPr>
+        <p:cNvPr id="1" name=""/>
+        <p:cNvGrpSpPr/>
+        <p:nvPr/>
+      </p:nvGrpSpPr>
+      <p:grpSpPr>
+        <a:xfrm>
+          <a:off x="0" y="0"/>
+          <a:ext cx="0" cy="0"/>
+          <a:chOff x="0" y="0"/>
+          <a:chExt cx="0" cy="0"/>
+        </a:xfrm>
+      </p:grpSpPr>
+      <p:sp>
+        <p:nvSpPr>
+          <p:cNvPr id="2" name="Título 1">
+            <a:extLst>
+              <a:ext uri="{FF2B5EF4-FFF2-40B4-BE49-F238E27FC236}">
                 <a16:creationId xmlns:a16="http://schemas.microsoft.com/office/drawing/2014/main" id="{8C56A967-1FFE-408E-881B-9687F73DE787}"/>
               </a:ext>
             </a:extLst>
@@ -10720,7 +10972,7 @@
 </p:sld>
 </file>
 
-<file path=ppt/slides/slide18.xml><?xml version="1.0" encoding="utf-8"?>
+<file path=ppt/slides/slide19.xml><?xml version="1.0" encoding="utf-8"?>
 <p:sld xmlns:a="http://schemas.openxmlformats.org/drawingml/2006/main" xmlns:r="http://schemas.openxmlformats.org/officeDocument/2006/relationships" xmlns:p="http://schemas.openxmlformats.org/presentationml/2006/main">
   <p:cSld>
     <p:spTree>
@@ -13538,7 +13790,7 @@
         </p:spPr>
         <p:txBody>
           <a:bodyPr vert="horz" lIns="91440" tIns="45720" rIns="91440" bIns="45720" rtlCol="0" anchor="t">
-            <a:normAutofit/>
+            <a:normAutofit fontScale="92500" lnSpcReduction="20000"/>
           </a:bodyPr>
           <a:lstStyle/>
           <a:p>
@@ -13550,7 +13802,7 @@
               </a:rPr>
               <a:t>Se refiere a una expresión que evalúa si una condición se cumple o no. </a:t>
             </a:r>
-            <a:endParaRPr lang="en-US" sz="3150"/>
+            <a:endParaRPr lang="en-US" sz="3150" dirty="0"/>
           </a:p>
           <a:p>
             <a:pPr marL="258445" indent="-258445"/>
@@ -13574,10 +13826,59 @@
             </a:r>
           </a:p>
           <a:p>
-            <a:pPr marL="0" indent="0">
-              <a:buNone/>
-            </a:pPr>
-            <a:endParaRPr lang="es-ES" sz="3150" dirty="0">
+            <a:pPr marL="258445" indent="-258445"/>
+            <a:r>
+              <a:rPr lang="es-ES" sz="3150" dirty="0">
+                <a:latin typeface="__fkGroteskNeue_598ab8"/>
+              </a:rPr>
+              <a:t>La sintaxis típica en el lenguaje C# es: </a:t>
+            </a:r>
+          </a:p>
+          <a:p>
+            <a:pPr marL="776590" lvl="1" indent="-258445"/>
+            <a:r>
+              <a:rPr lang="es-ES" sz="2697" dirty="0" err="1">
+                <a:latin typeface="__fkGroteskNeue_598ab8"/>
+              </a:rPr>
+              <a:t>Predicate</a:t>
+            </a:r>
+            <a:r>
+              <a:rPr lang="es-ES" sz="2697" dirty="0">
+                <a:latin typeface="__fkGroteskNeue_598ab8"/>
+              </a:rPr>
+              <a:t>&lt;T&gt;</a:t>
+            </a:r>
+          </a:p>
+          <a:p>
+            <a:pPr marL="1294735" lvl="2" indent="-258445"/>
+            <a:r>
+              <a:rPr lang="es-ES" sz="2244" dirty="0">
+                <a:latin typeface="__fkGroteskNeue_598ab8"/>
+              </a:rPr>
+              <a:t>T es el parámetro que recibe el predicado</a:t>
+            </a:r>
+          </a:p>
+          <a:p>
+            <a:pPr marL="1294735" lvl="2" indent="-258445"/>
+            <a:r>
+              <a:rPr lang="es-ES" sz="2244" dirty="0">
+                <a:latin typeface="__fkGroteskNeue_598ab8"/>
+              </a:rPr>
+              <a:t>Devolverá siempre un </a:t>
+            </a:r>
+            <a:r>
+              <a:rPr lang="es-ES" sz="2244" dirty="0" err="1">
+                <a:highlight>
+                  <a:srgbClr val="00FFFF"/>
+                </a:highlight>
+                <a:latin typeface="__fkGroteskNeue_598ab8"/>
+              </a:rPr>
+              <a:t>bool</a:t>
+            </a:r>
+            <a:endParaRPr lang="es-ES" sz="2244" dirty="0">
+              <a:highlight>
+                <a:srgbClr val="00FFFF"/>
+              </a:highlight>
               <a:latin typeface="__fkGroteskNeue_598ab8"/>
             </a:endParaRPr>
           </a:p>
@@ -13594,12 +13895,47 @@
           </a:p>
           <a:p>
             <a:pPr marL="258445" indent="-258445"/>
+            <a:r>
+              <a:rPr lang="es-419" b="0" i="0" dirty="0" err="1">
+                <a:effectLst/>
+                <a:latin typeface="__berkeleyMono_1826c3"/>
+              </a:rPr>
+              <a:t>Predicate</a:t>
+            </a:r>
             <a:r>
               <a:rPr lang="es-419" b="0" i="0" dirty="0">
                 <a:effectLst/>
                 <a:latin typeface="__berkeleyMono_1826c3"/>
               </a:rPr>
-              <a:t>p =&gt; p &gt; 10 </a:t>
+              <a:t> &lt;</a:t>
+            </a:r>
+            <a:r>
+              <a:rPr lang="es-419" b="0" i="0" dirty="0" err="1">
+                <a:effectLst/>
+                <a:latin typeface="__berkeleyMono_1826c3"/>
+              </a:rPr>
+              <a:t>int</a:t>
+            </a:r>
+            <a:r>
+              <a:rPr lang="es-419" b="0" i="0" dirty="0">
+                <a:effectLst/>
+                <a:latin typeface="__berkeleyMono_1826c3"/>
+              </a:rPr>
+              <a:t>&gt; </a:t>
+            </a:r>
+            <a:r>
+              <a:rPr lang="es-419" b="0" i="0" dirty="0" err="1">
+                <a:effectLst/>
+                <a:latin typeface="__berkeleyMono_1826c3"/>
+              </a:rPr>
+              <a:t>es_mayor_diez</a:t>
+            </a:r>
+            <a:r>
+              <a:rPr lang="es-419" b="0" i="0" dirty="0">
+                <a:effectLst/>
+                <a:latin typeface="__berkeleyMono_1826c3"/>
+              </a:rPr>
+              <a:t> = p =&gt; p &gt; 10;</a:t>
             </a:r>
             <a:endParaRPr lang="es-419" dirty="0">
               <a:latin typeface="__berkeleyMono_1826c3"/>
@@ -13610,7 +13946,7 @@
               <a:buNone/>
             </a:pPr>
             <a:r>
-              <a:rPr lang="es-419" b="1" i="0" dirty="0">
+              <a:rPr lang="es-419" sz="2800" b="1" i="0" dirty="0">
                 <a:solidFill>
                   <a:srgbClr val="FF0000"/>
                 </a:solidFill>
@@ -13621,7 +13957,7 @@
               <a:t>p, </a:t>
             </a:r>
             <a:r>
-              <a:rPr lang="es-419" b="1" i="0" dirty="0">
+              <a:rPr lang="es-419" sz="2800" b="1" i="0" dirty="0">
                 <a:solidFill>
                   <a:srgbClr val="00FF00"/>
                 </a:solidFill>
@@ -13629,10 +13965,10 @@
                 <a:latin typeface="__berkeleyMono_1826c3"/>
                 <a:sym typeface="Wingdings" panose="05000000000000000000" pitchFamily="2" charset="2"/>
               </a:rPr>
-              <a:t>se comporta como un parámetro</a:t>
-            </a:r>
-            <a:r>
-              <a:rPr lang="es-419" b="1" i="0" dirty="0">
+              <a:t>en este ejemplo se comporta como un parámetro</a:t>
+            </a:r>
+            <a:r>
+              <a:rPr lang="es-419" sz="2800" b="1" i="0" dirty="0">
                 <a:solidFill>
                   <a:srgbClr val="FF0000"/>
                 </a:solidFill>
@@ -13640,10 +13976,86 @@
                 <a:latin typeface="__berkeleyMono_1826c3"/>
                 <a:sym typeface="Wingdings" panose="05000000000000000000" pitchFamily="2" charset="2"/>
               </a:rPr>
-              <a:t> y representa cada uno de los elementos de la colección donde se quiere evaluar la condici</a:t>
-            </a:r>
-            <a:r>
-              <a:rPr lang="es-419" b="1" dirty="0">
+              <a:t> </a:t>
+            </a:r>
+          </a:p>
+          <a:p>
+            <a:pPr marL="0" indent="0" algn="ctr">
+              <a:buNone/>
+            </a:pPr>
+            <a:r>
+              <a:rPr lang="es-419" sz="2800" b="1" i="0" dirty="0">
+                <a:solidFill>
+                  <a:srgbClr val="00FF00"/>
+                </a:solidFill>
+                <a:effectLst/>
+                <a:latin typeface="__berkeleyMono_1826c3"/>
+                <a:sym typeface="Wingdings" panose="05000000000000000000" pitchFamily="2" charset="2"/>
+              </a:rPr>
+              <a:t>y representa cualquier dato entero, incluso un </a:t>
+            </a:r>
+            <a:r>
+              <a:rPr lang="es-419" sz="2800" b="1" i="0" dirty="0" err="1">
+                <a:solidFill>
+                  <a:srgbClr val="00FF00"/>
+                </a:solidFill>
+                <a:effectLst/>
+                <a:latin typeface="__berkeleyMono_1826c3"/>
+                <a:sym typeface="Wingdings" panose="05000000000000000000" pitchFamily="2" charset="2"/>
+              </a:rPr>
+              <a:t>enumerable</a:t>
+            </a:r>
+            <a:r>
+              <a:rPr lang="es-419" sz="2800" b="1" i="0" dirty="0">
+                <a:solidFill>
+                  <a:srgbClr val="00FF00"/>
+                </a:solidFill>
+                <a:effectLst/>
+                <a:latin typeface="__berkeleyMono_1826c3"/>
+                <a:sym typeface="Wingdings" panose="05000000000000000000" pitchFamily="2" charset="2"/>
+              </a:rPr>
+              <a:t>. </a:t>
+            </a:r>
+          </a:p>
+          <a:p>
+            <a:pPr marL="0" indent="0" algn="ctr">
+              <a:buNone/>
+            </a:pPr>
+            <a:r>
+              <a:rPr lang="es-419" sz="2800" b="1" i="0" dirty="0">
+                <a:solidFill>
+                  <a:srgbClr val="FF0000"/>
+                </a:solidFill>
+                <a:effectLst/>
+                <a:latin typeface="__berkeleyMono_1826c3"/>
+                <a:sym typeface="Wingdings" panose="05000000000000000000" pitchFamily="2" charset="2"/>
+              </a:rPr>
+              <a:t>En el caso de pasar un </a:t>
+            </a:r>
+            <a:r>
+              <a:rPr lang="es-419" sz="2800" b="1" i="0" dirty="0" err="1">
+                <a:solidFill>
+                  <a:srgbClr val="FF0000"/>
+                </a:solidFill>
+                <a:effectLst/>
+                <a:latin typeface="__berkeleyMono_1826c3"/>
+                <a:sym typeface="Wingdings" panose="05000000000000000000" pitchFamily="2" charset="2"/>
+              </a:rPr>
+              <a:t>enumerable</a:t>
+            </a:r>
+            <a:r>
+              <a:rPr lang="es-419" sz="2800" b="1" i="0" dirty="0">
+                <a:solidFill>
+                  <a:srgbClr val="FF0000"/>
+                </a:solidFill>
+                <a:effectLst/>
+                <a:latin typeface="__berkeleyMono_1826c3"/>
+                <a:sym typeface="Wingdings" panose="05000000000000000000" pitchFamily="2" charset="2"/>
+              </a:rPr>
+              <a:t>, p va a ser cada uno de los elementos de la colección donde se quiere evaluar la condici</a:t>
+            </a:r>
+            <a:r>
+              <a:rPr lang="es-419" sz="2800" b="1" dirty="0">
                 <a:solidFill>
                   <a:srgbClr val="FF0000"/>
                 </a:solidFill>
@@ -13652,46 +14064,6 @@
               </a:rPr>
               <a:t>ón.</a:t>
             </a:r>
-          </a:p>
-          <a:p>
-            <a:pPr marL="0" indent="0" algn="ctr">
-              <a:buNone/>
-            </a:pPr>
-            <a:r>
-              <a:rPr lang="es-419" b="1" dirty="0">
-                <a:solidFill>
-                  <a:schemeClr val="accent5"/>
-                </a:solidFill>
-                <a:latin typeface="__berkeleyMono_1826c3"/>
-                <a:sym typeface="Wingdings" panose="05000000000000000000" pitchFamily="2" charset="2"/>
-              </a:rPr>
-              <a:t>Retorna un </a:t>
-            </a:r>
-            <a:r>
-              <a:rPr lang="es-419" b="1" dirty="0" err="1">
-                <a:solidFill>
-                  <a:schemeClr val="accent5"/>
-                </a:solidFill>
-                <a:latin typeface="__berkeleyMono_1826c3"/>
-                <a:sym typeface="Wingdings" panose="05000000000000000000" pitchFamily="2" charset="2"/>
-              </a:rPr>
-              <a:t>bool</a:t>
-            </a:r>
-            <a:r>
-              <a:rPr lang="es-419" b="1" dirty="0">
-                <a:solidFill>
-                  <a:schemeClr val="accent5"/>
-                </a:solidFill>
-                <a:latin typeface="__berkeleyMono_1826c3"/>
-                <a:sym typeface="Wingdings" panose="05000000000000000000" pitchFamily="2" charset="2"/>
-              </a:rPr>
-              <a:t> dependiendo si algún elemento cumple la condición.</a:t>
-            </a:r>
-            <a:endParaRPr lang="es-419" b="1" dirty="0">
-              <a:solidFill>
-                <a:schemeClr val="accent5"/>
-              </a:solidFill>
-            </a:endParaRPr>
           </a:p>
         </p:txBody>
       </p:sp>
@@ -13730,7 +14102,7 @@
           <p:cNvPr id="2" name="Título 1">
             <a:extLst>
               <a:ext uri="{FF2B5EF4-FFF2-40B4-BE49-F238E27FC236}">
-                <a16:creationId xmlns:a16="http://schemas.microsoft.com/office/drawing/2014/main" id="{4D126B3B-0910-4AD4-8ED0-1964493F3EB2}"/>
+                <a16:creationId xmlns:a16="http://schemas.microsoft.com/office/drawing/2014/main" id="{E3676938-28C2-4EF8-8B84-D2F8058D616C}"/>
               </a:ext>
             </a:extLst>
           </p:cNvPr>
@@ -13748,9 +14120,9 @@
           <a:p>
             <a:r>
               <a:rPr lang="es-ES" dirty="0"/>
-              <a:t>Funciones de orden superior</a:t>
-            </a:r>
-            <a:endParaRPr lang="es-CO" dirty="0"/>
+              <a:t>Ejemplos de Predicados</a:t>
+            </a:r>
+            <a:endParaRPr lang="es-419" dirty="0"/>
           </a:p>
         </p:txBody>
       </p:sp>
@@ -13759,7 +14131,7 @@
           <p:cNvPr id="3" name="Marcador de contenido 2">
             <a:extLst>
               <a:ext uri="{FF2B5EF4-FFF2-40B4-BE49-F238E27FC236}">
-                <a16:creationId xmlns:a16="http://schemas.microsoft.com/office/drawing/2014/main" id="{45230D3A-9A65-4780-9840-E7E9D4A7A72B}"/>
+                <a16:creationId xmlns:a16="http://schemas.microsoft.com/office/drawing/2014/main" id="{39C98C82-70C5-4E98-A392-32C1754BFA0C}"/>
               </a:ext>
             </a:extLst>
           </p:cNvPr>
@@ -13770,75 +14142,683 @@
             <p:ph idx="1"/>
           </p:nvPr>
         </p:nvSpPr>
-        <p:spPr/>
-        <p:txBody>
-          <a:bodyPr/>
+        <p:spPr>
+          <a:xfrm>
+            <a:off x="949960" y="1916114"/>
+            <a:ext cx="11917680" cy="4810363"/>
+          </a:xfrm>
+        </p:spPr>
+        <p:txBody>
+          <a:bodyPr>
+            <a:normAutofit fontScale="70000" lnSpcReduction="20000"/>
+          </a:bodyPr>
           <a:lstStyle/>
           <a:p>
+            <a:pPr marL="0" indent="0">
+              <a:buNone/>
+            </a:pPr>
+            <a:r>
+              <a:rPr lang="es-419" dirty="0" err="1"/>
+              <a:t>var</a:t>
+            </a:r>
+            <a:r>
+              <a:rPr lang="es-419" dirty="0"/>
+              <a:t> </a:t>
+            </a:r>
+            <a:r>
+              <a:rPr lang="es-419" dirty="0" err="1"/>
+              <a:t>numeros</a:t>
+            </a:r>
+            <a:r>
+              <a:rPr lang="es-419" dirty="0"/>
+              <a:t> = new </a:t>
+            </a:r>
+            <a:r>
+              <a:rPr lang="es-419" dirty="0" err="1"/>
+              <a:t>List</a:t>
+            </a:r>
+            <a:r>
+              <a:rPr lang="es-419" dirty="0"/>
+              <a:t>&lt;</a:t>
+            </a:r>
+            <a:r>
+              <a:rPr lang="es-419" dirty="0" err="1"/>
+              <a:t>int</a:t>
+            </a:r>
+            <a:r>
+              <a:rPr lang="es-419" dirty="0"/>
+              <a:t>&gt; { 3, 7, 10, 15, 20, 22, 25 };</a:t>
+            </a:r>
+          </a:p>
+          <a:p>
+            <a:pPr marL="0" indent="0">
+              <a:buNone/>
+            </a:pPr>
+            <a:r>
+              <a:rPr lang="es-419" dirty="0" err="1"/>
+              <a:t>Predicate</a:t>
+            </a:r>
+            <a:r>
+              <a:rPr lang="es-419" dirty="0"/>
+              <a:t>&lt;</a:t>
+            </a:r>
+            <a:r>
+              <a:rPr lang="es-419" dirty="0" err="1"/>
+              <a:t>int</a:t>
+            </a:r>
+            <a:r>
+              <a:rPr lang="es-419" dirty="0"/>
+              <a:t>&gt; </a:t>
+            </a:r>
+            <a:r>
+              <a:rPr lang="es-419" dirty="0" err="1"/>
+              <a:t>esImpar</a:t>
+            </a:r>
+            <a:r>
+              <a:rPr lang="es-419" dirty="0"/>
+              <a:t> = x =&gt; x%2 != 0;</a:t>
+            </a:r>
+          </a:p>
+          <a:p>
+            <a:pPr marL="0" indent="0">
+              <a:buNone/>
+            </a:pPr>
+            <a:r>
+              <a:rPr lang="es-419" dirty="0" err="1"/>
+              <a:t>Predicate</a:t>
+            </a:r>
+            <a:r>
+              <a:rPr lang="es-419" dirty="0"/>
+              <a:t>&lt;</a:t>
+            </a:r>
+            <a:r>
+              <a:rPr lang="es-419" dirty="0" err="1"/>
+              <a:t>int</a:t>
+            </a:r>
+            <a:r>
+              <a:rPr lang="es-419" dirty="0"/>
+              <a:t>&gt; </a:t>
+            </a:r>
+            <a:r>
+              <a:rPr lang="es-419" dirty="0" err="1"/>
+              <a:t>esPar</a:t>
+            </a:r>
+            <a:r>
+              <a:rPr lang="es-419" dirty="0"/>
+              <a:t> = x =&gt; x%2 == 0;</a:t>
+            </a:r>
+          </a:p>
+          <a:p>
+            <a:pPr marL="0" indent="0">
+              <a:buNone/>
+            </a:pPr>
+            <a:r>
+              <a:rPr lang="es-419" b="0" i="0" dirty="0" err="1">
+                <a:effectLst/>
+                <a:latin typeface="__berkeleyMono_1826c3"/>
+              </a:rPr>
+              <a:t>Predicate</a:t>
+            </a:r>
+            <a:r>
+              <a:rPr lang="es-419" b="0" i="0" dirty="0">
+                <a:effectLst/>
+                <a:latin typeface="__berkeleyMono_1826c3"/>
+              </a:rPr>
+              <a:t> &lt;</a:t>
+            </a:r>
+            <a:r>
+              <a:rPr lang="es-419" b="0" i="0" dirty="0" err="1">
+                <a:effectLst/>
+                <a:latin typeface="__berkeleyMono_1826c3"/>
+              </a:rPr>
+              <a:t>int</a:t>
+            </a:r>
+            <a:r>
+              <a:rPr lang="es-419" b="0" i="0" dirty="0">
+                <a:effectLst/>
+                <a:latin typeface="__berkeleyMono_1826c3"/>
+              </a:rPr>
+              <a:t>&gt; </a:t>
+            </a:r>
+            <a:r>
+              <a:rPr lang="es-419" b="0" i="0" dirty="0" err="1">
+                <a:effectLst/>
+                <a:latin typeface="__berkeleyMono_1826c3"/>
+              </a:rPr>
+              <a:t>es_mayor_diez</a:t>
+            </a:r>
+            <a:r>
+              <a:rPr lang="es-419" b="0" i="0" dirty="0">
+                <a:effectLst/>
+                <a:latin typeface="__berkeleyMono_1826c3"/>
+              </a:rPr>
+              <a:t> = x =&gt; x &gt; 10;</a:t>
+            </a:r>
+          </a:p>
+          <a:p>
+            <a:pPr marL="0" indent="0">
+              <a:buNone/>
+            </a:pPr>
+            <a:endParaRPr lang="es-419" b="0" i="0" dirty="0">
+              <a:effectLst/>
+              <a:latin typeface="__berkeleyMono_1826c3"/>
+            </a:endParaRPr>
+          </a:p>
+          <a:p>
+            <a:pPr marL="0" indent="0">
+              <a:buNone/>
+            </a:pPr>
+            <a:endParaRPr lang="es-419" dirty="0">
+              <a:latin typeface="__berkeleyMono_1826c3"/>
+            </a:endParaRPr>
+          </a:p>
+          <a:p>
+            <a:pPr marL="0" indent="0">
+              <a:buNone/>
+            </a:pPr>
+            <a:endParaRPr lang="es-419" dirty="0"/>
+          </a:p>
+          <a:p>
+            <a:pPr marL="0" indent="0">
+              <a:buNone/>
+            </a:pPr>
+            <a:endParaRPr lang="es-419" dirty="0"/>
+          </a:p>
+          <a:p>
+            <a:pPr marL="0" indent="0">
+              <a:buNone/>
+            </a:pPr>
+            <a:endParaRPr lang="es-419" dirty="0"/>
+          </a:p>
+          <a:p>
+            <a:pPr marL="0" indent="0" algn="ctr">
+              <a:buNone/>
+            </a:pPr>
+            <a:r>
+              <a:rPr lang="es-419" dirty="0"/>
+              <a:t>Var impares = </a:t>
+            </a:r>
+            <a:r>
+              <a:rPr lang="es-419" dirty="0" err="1"/>
+              <a:t>numeros.FindAll</a:t>
+            </a:r>
+            <a:r>
+              <a:rPr lang="es-419" dirty="0"/>
+              <a:t>(</a:t>
+            </a:r>
+            <a:r>
+              <a:rPr lang="es-419" dirty="0" err="1"/>
+              <a:t>esImpar</a:t>
+            </a:r>
+            <a:r>
+              <a:rPr lang="es-419" dirty="0"/>
+              <a:t>);</a:t>
+            </a:r>
+          </a:p>
+          <a:p>
+            <a:pPr marL="0" indent="0">
+              <a:buNone/>
+            </a:pPr>
+            <a:endParaRPr lang="es-419" dirty="0"/>
+          </a:p>
+          <a:p>
+            <a:pPr marL="0" indent="0">
+              <a:buNone/>
+            </a:pPr>
+            <a:r>
+              <a:rPr lang="es-419" dirty="0" err="1"/>
+              <a:t>Predicate</a:t>
+            </a:r>
+            <a:r>
+              <a:rPr lang="es-419" dirty="0"/>
+              <a:t>&lt;</a:t>
+            </a:r>
+            <a:r>
+              <a:rPr lang="es-419" dirty="0" err="1"/>
+              <a:t>int</a:t>
+            </a:r>
+            <a:r>
+              <a:rPr lang="es-419" dirty="0"/>
+              <a:t>&gt; </a:t>
+            </a:r>
+            <a:r>
+              <a:rPr lang="es-419" dirty="0" err="1"/>
+              <a:t>esPrimo</a:t>
+            </a:r>
+            <a:r>
+              <a:rPr lang="es-419" dirty="0"/>
+              <a:t> ¿? Ya tenemos que usar una lambda con delegado </a:t>
+            </a:r>
+            <a:r>
+              <a:rPr lang="es-419" dirty="0" err="1"/>
+              <a:t>Func</a:t>
+            </a:r>
+            <a:r>
+              <a:rPr lang="es-419" dirty="0"/>
+              <a:t>. La veremos más adelante.</a:t>
+            </a:r>
+          </a:p>
+        </p:txBody>
+      </p:sp>
+      <p:sp>
+        <p:nvSpPr>
+          <p:cNvPr id="4" name="Rectángulo 3">
+            <a:extLst>
+              <a:ext uri="{FF2B5EF4-FFF2-40B4-BE49-F238E27FC236}">
+                <a16:creationId xmlns:a16="http://schemas.microsoft.com/office/drawing/2014/main" id="{666E5E88-2E50-4816-8312-5ED99BD69821}"/>
+              </a:ext>
+            </a:extLst>
+          </p:cNvPr>
+          <p:cNvSpPr/>
+          <p:nvPr/>
+        </p:nvSpPr>
+        <p:spPr>
+          <a:xfrm>
+            <a:off x="3239023" y="3776975"/>
+            <a:ext cx="1440493" cy="914400"/>
+          </a:xfrm>
+          <a:prstGeom prst="rect">
+            <a:avLst/>
+          </a:prstGeom>
+        </p:spPr>
+        <p:style>
+          <a:lnRef idx="1">
+            <a:schemeClr val="accent2"/>
+          </a:lnRef>
+          <a:fillRef idx="3">
+            <a:schemeClr val="accent2"/>
+          </a:fillRef>
+          <a:effectRef idx="2">
+            <a:schemeClr val="accent2"/>
+          </a:effectRef>
+          <a:fontRef idx="minor">
+            <a:schemeClr val="lt1"/>
+          </a:fontRef>
+        </p:style>
+        <p:txBody>
+          <a:bodyPr rtlCol="0" anchor="ctr"/>
+          <a:lstStyle/>
+          <a:p>
+            <a:pPr algn="ctr"/>
             <a:r>
               <a:rPr lang="es-ES" dirty="0"/>
-              <a:t>Es una función que acepta a otra función como un parámetro o argumento</a:t>
-            </a:r>
-            <a:r>
-              <a:rPr lang="es-CO" dirty="0"/>
-              <a:t> y puede devolver una función como tipo de retorno</a:t>
-            </a:r>
-          </a:p>
-          <a:p>
-            <a:r>
-              <a:rPr lang="es-CO" dirty="0">
-                <a:solidFill>
-                  <a:schemeClr val="bg1"/>
-                </a:solidFill>
-                <a:highlight>
-                  <a:srgbClr val="008000"/>
-                </a:highlight>
-              </a:rPr>
-              <a:t>Es el pilar de la programación funcional</a:t>
-            </a:r>
-          </a:p>
-          <a:p>
+              <a:t>Variable donde queda el resultado</a:t>
+            </a:r>
+            <a:endParaRPr lang="es-419" dirty="0"/>
+          </a:p>
+        </p:txBody>
+      </p:sp>
+      <p:sp>
+        <p:nvSpPr>
+          <p:cNvPr id="5" name="Rectángulo 4">
+            <a:extLst>
+              <a:ext uri="{FF2B5EF4-FFF2-40B4-BE49-F238E27FC236}">
+                <a16:creationId xmlns:a16="http://schemas.microsoft.com/office/drawing/2014/main" id="{31E27BB5-CFDC-4E4D-A4A9-EE0F2524073B}"/>
+              </a:ext>
+            </a:extLst>
+          </p:cNvPr>
+          <p:cNvSpPr/>
+          <p:nvPr/>
+        </p:nvSpPr>
+        <p:spPr>
+          <a:xfrm>
+            <a:off x="5488488" y="3776975"/>
+            <a:ext cx="1440493" cy="914400"/>
+          </a:xfrm>
+          <a:prstGeom prst="rect">
+            <a:avLst/>
+          </a:prstGeom>
+        </p:spPr>
+        <p:style>
+          <a:lnRef idx="1">
+            <a:schemeClr val="accent1"/>
+          </a:lnRef>
+          <a:fillRef idx="3">
+            <a:schemeClr val="accent1"/>
+          </a:fillRef>
+          <a:effectRef idx="2">
+            <a:schemeClr val="accent1"/>
+          </a:effectRef>
+          <a:fontRef idx="minor">
+            <a:schemeClr val="lt1"/>
+          </a:fontRef>
+        </p:style>
+        <p:txBody>
+          <a:bodyPr rtlCol="0" anchor="ctr"/>
+          <a:lstStyle/>
+          <a:p>
+            <a:pPr algn="ctr"/>
             <a:r>
               <a:rPr lang="es-ES" dirty="0"/>
-              <a:t>El término funciones de orden superior se refiere básicamente a 3 funciones: </a:t>
+              <a:t>Colección </a:t>
             </a:r>
             <a:r>
               <a:rPr lang="es-ES" dirty="0" err="1"/>
-              <a:t>Map</a:t>
-            </a:r>
+              <a:t>enumerable</a:t>
+            </a:r>
+            <a:endParaRPr lang="es-419" dirty="0"/>
+          </a:p>
+        </p:txBody>
+      </p:sp>
+      <p:sp>
+        <p:nvSpPr>
+          <p:cNvPr id="6" name="Rectángulo 5">
+            <a:extLst>
+              <a:ext uri="{FF2B5EF4-FFF2-40B4-BE49-F238E27FC236}">
+                <a16:creationId xmlns:a16="http://schemas.microsoft.com/office/drawing/2014/main" id="{3646CF86-25D0-49D7-B437-9FD30102BDB2}"/>
+              </a:ext>
+            </a:extLst>
+          </p:cNvPr>
+          <p:cNvSpPr/>
+          <p:nvPr/>
+        </p:nvSpPr>
+        <p:spPr>
+          <a:xfrm>
+            <a:off x="7995781" y="3759320"/>
+            <a:ext cx="1440493" cy="914400"/>
+          </a:xfrm>
+          <a:prstGeom prst="rect">
+            <a:avLst/>
+          </a:prstGeom>
+        </p:spPr>
+        <p:style>
+          <a:lnRef idx="1">
+            <a:schemeClr val="accent6"/>
+          </a:lnRef>
+          <a:fillRef idx="3">
+            <a:schemeClr val="accent6"/>
+          </a:fillRef>
+          <a:effectRef idx="2">
+            <a:schemeClr val="accent6"/>
+          </a:effectRef>
+          <a:fontRef idx="minor">
+            <a:schemeClr val="lt1"/>
+          </a:fontRef>
+        </p:style>
+        <p:txBody>
+          <a:bodyPr rtlCol="0" anchor="ctr"/>
+          <a:lstStyle/>
+          <a:p>
+            <a:pPr algn="ctr"/>
             <a:r>
               <a:rPr lang="es-ES" dirty="0"/>
-              <a:t>, </a:t>
+              <a:t>Función </a:t>
             </a:r>
             <a:r>
               <a:rPr lang="es-ES" dirty="0" err="1"/>
-              <a:t>Filter</a:t>
-            </a:r>
+              <a:t>Linq</a:t>
+            </a:r>
+            <a:endParaRPr lang="es-ES" dirty="0"/>
+          </a:p>
+          <a:p>
+            <a:pPr algn="ctr"/>
             <a:r>
               <a:rPr lang="es-ES" dirty="0"/>
-              <a:t> y </a:t>
-            </a:r>
+              <a:t>Próximo tema</a:t>
+            </a:r>
+            <a:endParaRPr lang="es-419" dirty="0"/>
+          </a:p>
+        </p:txBody>
+      </p:sp>
+      <p:sp>
+        <p:nvSpPr>
+          <p:cNvPr id="7" name="Rectángulo 6">
+            <a:extLst>
+              <a:ext uri="{FF2B5EF4-FFF2-40B4-BE49-F238E27FC236}">
+                <a16:creationId xmlns:a16="http://schemas.microsoft.com/office/drawing/2014/main" id="{14EF2073-5C04-4CE1-A4E1-1D5B7D1BA2BB}"/>
+              </a:ext>
+            </a:extLst>
+          </p:cNvPr>
+          <p:cNvSpPr/>
+          <p:nvPr/>
+        </p:nvSpPr>
+        <p:spPr>
+          <a:xfrm>
+            <a:off x="9987036" y="3771090"/>
+            <a:ext cx="1440493" cy="914400"/>
+          </a:xfrm>
+          <a:prstGeom prst="rect">
+            <a:avLst/>
+          </a:prstGeom>
+        </p:spPr>
+        <p:style>
+          <a:lnRef idx="1">
+            <a:schemeClr val="accent3"/>
+          </a:lnRef>
+          <a:fillRef idx="3">
+            <a:schemeClr val="accent3"/>
+          </a:fillRef>
+          <a:effectRef idx="2">
+            <a:schemeClr val="accent3"/>
+          </a:effectRef>
+          <a:fontRef idx="minor">
+            <a:schemeClr val="lt1"/>
+          </a:fontRef>
+        </p:style>
+        <p:txBody>
+          <a:bodyPr rtlCol="0" anchor="ctr"/>
+          <a:lstStyle/>
+          <a:p>
+            <a:pPr algn="ctr"/>
             <a:r>
               <a:rPr lang="es-ES" dirty="0" err="1"/>
-              <a:t>Fold</a:t>
-            </a:r>
-            <a:endParaRPr lang="es-ES" dirty="0"/>
-          </a:p>
-          <a:p>
+              <a:t>Pedicado</a:t>
+            </a:r>
             <a:r>
               <a:rPr lang="es-ES" dirty="0"/>
-              <a:t>.NET entrega estas funciones a través de LINQ a partir de la versión 3.5. </a:t>
-            </a:r>
-          </a:p>
-          <a:p>
-            <a:endParaRPr lang="en-US" dirty="0"/>
+              <a:t> a aplicar</a:t>
+            </a:r>
+            <a:endParaRPr lang="es-419" dirty="0"/>
+          </a:p>
+        </p:txBody>
+      </p:sp>
+      <p:cxnSp>
+        <p:nvCxnSpPr>
+          <p:cNvPr id="9" name="Conector recto de flecha 8">
+            <a:extLst>
+              <a:ext uri="{FF2B5EF4-FFF2-40B4-BE49-F238E27FC236}">
+                <a16:creationId xmlns:a16="http://schemas.microsoft.com/office/drawing/2014/main" id="{FC626951-5D17-4CBA-874D-1839EE1E0BC3}"/>
+              </a:ext>
+            </a:extLst>
+          </p:cNvPr>
+          <p:cNvCxnSpPr/>
+          <p:nvPr/>
+        </p:nvCxnSpPr>
+        <p:spPr>
+          <a:xfrm>
+            <a:off x="4221271" y="4835047"/>
+            <a:ext cx="1267217" cy="438411"/>
+          </a:xfrm>
+          <a:prstGeom prst="straightConnector1">
+            <a:avLst/>
+          </a:prstGeom>
+          <a:ln>
+            <a:tailEnd type="triangle"/>
+          </a:ln>
+        </p:spPr>
+        <p:style>
+          <a:lnRef idx="1">
+            <a:schemeClr val="accent1"/>
+          </a:lnRef>
+          <a:fillRef idx="0">
+            <a:schemeClr val="accent1"/>
+          </a:fillRef>
+          <a:effectRef idx="0">
+            <a:schemeClr val="accent1"/>
+          </a:effectRef>
+          <a:fontRef idx="minor">
+            <a:schemeClr val="tx1"/>
+          </a:fontRef>
+        </p:style>
+      </p:cxnSp>
+      <p:cxnSp>
+        <p:nvCxnSpPr>
+          <p:cNvPr id="11" name="Conector recto de flecha 10">
+            <a:extLst>
+              <a:ext uri="{FF2B5EF4-FFF2-40B4-BE49-F238E27FC236}">
+                <a16:creationId xmlns:a16="http://schemas.microsoft.com/office/drawing/2014/main" id="{1789CD2D-44C3-4973-A491-B742F0BDA751}"/>
+              </a:ext>
+            </a:extLst>
+          </p:cNvPr>
+          <p:cNvCxnSpPr/>
+          <p:nvPr/>
+        </p:nvCxnSpPr>
+        <p:spPr>
+          <a:xfrm>
+            <a:off x="6350696" y="4835047"/>
+            <a:ext cx="225468" cy="438411"/>
+          </a:xfrm>
+          <a:prstGeom prst="straightConnector1">
+            <a:avLst/>
+          </a:prstGeom>
+          <a:ln>
+            <a:tailEnd type="triangle"/>
+          </a:ln>
+        </p:spPr>
+        <p:style>
+          <a:lnRef idx="1">
+            <a:schemeClr val="accent1"/>
+          </a:lnRef>
+          <a:fillRef idx="0">
+            <a:schemeClr val="accent1"/>
+          </a:fillRef>
+          <a:effectRef idx="0">
+            <a:schemeClr val="accent1"/>
+          </a:effectRef>
+          <a:fontRef idx="minor">
+            <a:schemeClr val="tx1"/>
+          </a:fontRef>
+        </p:style>
+      </p:cxnSp>
+      <p:cxnSp>
+        <p:nvCxnSpPr>
+          <p:cNvPr id="13" name="Conector recto de flecha 12">
+            <a:extLst>
+              <a:ext uri="{FF2B5EF4-FFF2-40B4-BE49-F238E27FC236}">
+                <a16:creationId xmlns:a16="http://schemas.microsoft.com/office/drawing/2014/main" id="{6005B27F-8695-4C1E-927C-DB4AF2A80BDD}"/>
+              </a:ext>
+            </a:extLst>
+          </p:cNvPr>
+          <p:cNvCxnSpPr/>
+          <p:nvPr/>
+        </p:nvCxnSpPr>
+        <p:spPr>
+          <a:xfrm flipH="1">
+            <a:off x="7628351" y="4835047"/>
+            <a:ext cx="901874" cy="438411"/>
+          </a:xfrm>
+          <a:prstGeom prst="straightConnector1">
+            <a:avLst/>
+          </a:prstGeom>
+          <a:ln>
+            <a:tailEnd type="triangle"/>
+          </a:ln>
+        </p:spPr>
+        <p:style>
+          <a:lnRef idx="1">
+            <a:schemeClr val="accent1"/>
+          </a:lnRef>
+          <a:fillRef idx="0">
+            <a:schemeClr val="accent1"/>
+          </a:fillRef>
+          <a:effectRef idx="0">
+            <a:schemeClr val="accent1"/>
+          </a:effectRef>
+          <a:fontRef idx="minor">
+            <a:schemeClr val="tx1"/>
+          </a:fontRef>
+        </p:style>
+      </p:cxnSp>
+      <p:cxnSp>
+        <p:nvCxnSpPr>
+          <p:cNvPr id="15" name="Conector recto de flecha 14">
+            <a:extLst>
+              <a:ext uri="{FF2B5EF4-FFF2-40B4-BE49-F238E27FC236}">
+                <a16:creationId xmlns:a16="http://schemas.microsoft.com/office/drawing/2014/main" id="{5A15C8AE-0984-4789-8265-2659EE861F39}"/>
+              </a:ext>
+            </a:extLst>
+          </p:cNvPr>
+          <p:cNvCxnSpPr>
+            <a:cxnSpLocks/>
+          </p:cNvCxnSpPr>
+          <p:nvPr/>
+        </p:nvCxnSpPr>
+        <p:spPr>
+          <a:xfrm flipH="1">
+            <a:off x="8843375" y="4835047"/>
+            <a:ext cx="1828800" cy="438411"/>
+          </a:xfrm>
+          <a:prstGeom prst="straightConnector1">
+            <a:avLst/>
+          </a:prstGeom>
+          <a:ln>
+            <a:tailEnd type="triangle"/>
+          </a:ln>
+        </p:spPr>
+        <p:style>
+          <a:lnRef idx="1">
+            <a:schemeClr val="accent1"/>
+          </a:lnRef>
+          <a:fillRef idx="0">
+            <a:schemeClr val="accent1"/>
+          </a:fillRef>
+          <a:effectRef idx="0">
+            <a:schemeClr val="accent1"/>
+          </a:effectRef>
+          <a:fontRef idx="minor">
+            <a:schemeClr val="tx1"/>
+          </a:fontRef>
+        </p:style>
+      </p:cxnSp>
+      <p:sp>
+        <p:nvSpPr>
+          <p:cNvPr id="17" name="CuadroTexto 16">
+            <a:extLst>
+              <a:ext uri="{FF2B5EF4-FFF2-40B4-BE49-F238E27FC236}">
+                <a16:creationId xmlns:a16="http://schemas.microsoft.com/office/drawing/2014/main" id="{CB83479B-0FD2-479D-AFC1-72BD51CD80DA}"/>
+              </a:ext>
+            </a:extLst>
+          </p:cNvPr>
+          <p:cNvSpPr txBox="1"/>
+          <p:nvPr/>
+        </p:nvSpPr>
+        <p:spPr>
+          <a:xfrm>
+            <a:off x="817029" y="3905124"/>
+            <a:ext cx="2146613" cy="646331"/>
+          </a:xfrm>
+          <a:prstGeom prst="rect">
+            <a:avLst/>
+          </a:prstGeom>
+          <a:noFill/>
+        </p:spPr>
+        <p:txBody>
+          <a:bodyPr wrap="none" rtlCol="0">
+            <a:spAutoFit/>
+          </a:bodyPr>
+          <a:lstStyle/>
+          <a:p>
+            <a:r>
+              <a:rPr lang="es-ES" dirty="0"/>
+              <a:t>Usemos el predicado</a:t>
+            </a:r>
+          </a:p>
+          <a:p>
+            <a:pPr algn="r"/>
+            <a:r>
+              <a:rPr lang="es-ES" dirty="0">
+                <a:sym typeface="Wingdings" panose="05000000000000000000" pitchFamily="2" charset="2"/>
+              </a:rPr>
+              <a:t></a:t>
+            </a:r>
+            <a:endParaRPr lang="es-419" dirty="0"/>
           </a:p>
         </p:txBody>
       </p:sp>
     </p:spTree>
     <p:extLst>
       <p:ext uri="{BB962C8B-B14F-4D97-AF65-F5344CB8AC3E}">
-        <p14:creationId xmlns:p14="http://schemas.microsoft.com/office/powerpoint/2010/main" val="2473792924"/>
+        <p14:creationId xmlns:p14="http://schemas.microsoft.com/office/powerpoint/2010/main" val="1026206260"/>
       </p:ext>
     </p:extLst>
   </p:cSld>
